--- a/SSD Feature Detection Selling points.pptx
+++ b/SSD Feature Detection Selling points.pptx
@@ -5737,7 +5737,7 @@
           <a:p>
             <a:r>
               <a:rPr lang="en-US" dirty="0"/>
-              <a:t>The NN only accept pictures 64pix *64pix</a:t>
+              <a:t>The NN only accept pictures 64pix * 64pix</a:t>
             </a:r>
           </a:p>
         </p:txBody>
@@ -7817,13 +7817,8 @@
           <a:p>
             <a:r>
               <a:rPr lang="en-US" sz="1800" dirty="0"/>
-              <a:t>Increase NN </a:t>
-            </a:r>
-            <a:r>
-              <a:rPr lang="en-US" sz="1800"/>
-              <a:t>resolution from 64 to 128</a:t>
-            </a:r>
-            <a:endParaRPr lang="en-US" sz="1800" dirty="0"/>
+              <a:t>Increase NN resolution from 64 to 128</a:t>
+            </a:r>
           </a:p>
           <a:p>
             <a:endParaRPr lang="en-US" dirty="0"/>
@@ -7889,31 +7884,35 @@
           </a:p>
         </p:txBody>
       </p:sp>
-      <p:sp>
-        <p:nvSpPr>
-          <p:cNvPr id="3" name="Content Placeholder 2">
-            <a:extLst>
-              <a:ext uri="{FF2B5EF4-FFF2-40B4-BE49-F238E27FC236}">
-                <a16:creationId xmlns:a16="http://schemas.microsoft.com/office/drawing/2014/main" id="{3C2A125B-5129-43ED-875E-AF66FDBDA963}"/>
-              </a:ext>
-            </a:extLst>
-          </p:cNvPr>
-          <p:cNvSpPr>
-            <a:spLocks noGrp="1"/>
-          </p:cNvSpPr>
+      <p:pic>
+        <p:nvPicPr>
+          <p:cNvPr id="5" name="Content Placeholder 4" descr="Shape&#10;&#10;Description automatically generated">
+            <a:extLst>
+              <a:ext uri="{FF2B5EF4-FFF2-40B4-BE49-F238E27FC236}">
+                <a16:creationId xmlns:a16="http://schemas.microsoft.com/office/drawing/2014/main" id="{29EFC75B-8FB2-4AA9-B666-3F5A72C25CC8}"/>
+              </a:ext>
+            </a:extLst>
+          </p:cNvPr>
+          <p:cNvPicPr>
+            <a:picLocks noGrp="1" noChangeAspect="1"/>
+          </p:cNvPicPr>
           <p:nvPr>
             <p:ph idx="1"/>
           </p:nvPr>
-        </p:nvSpPr>
-        <p:spPr/>
-        <p:txBody>
-          <a:bodyPr/>
-          <a:lstStyle/>
-          <a:p>
-            <a:endParaRPr lang="en-US" dirty="0"/>
-          </a:p>
-        </p:txBody>
-      </p:sp>
+        </p:nvPicPr>
+        <p:blipFill>
+          <a:blip r:embed="rId2"/>
+          <a:stretch>
+            <a:fillRect/>
+          </a:stretch>
+        </p:blipFill>
+        <p:spPr>
+          <a:xfrm>
+            <a:off x="1781667" y="1769113"/>
+            <a:ext cx="8628666" cy="4518338"/>
+          </a:xfrm>
+        </p:spPr>
+      </p:pic>
     </p:spTree>
     <p:extLst>
       <p:ext uri="{BB962C8B-B14F-4D97-AF65-F5344CB8AC3E}">
@@ -8361,17 +8360,18 @@
           <a:lstStyle/>
           <a:p>
             <a:r>
-              <a:rPr lang="en-US" dirty="0"/>
+              <a:rPr lang="en-US"/>
               <a:t>At least </a:t>
             </a:r>
             <a:r>
-              <a:rPr lang="en-US" u="sng" dirty="0"/>
+              <a:rPr lang="en-US" u="sng"/>
               <a:t>3 big Problems </a:t>
             </a:r>
             <a:r>
-              <a:rPr lang="en-US" dirty="0"/>
+              <a:rPr lang="en-US"/>
               <a:t>with the current State of the art</a:t>
             </a:r>
+            <a:endParaRPr lang="en-US" dirty="0"/>
           </a:p>
         </p:txBody>
       </p:sp>
@@ -8502,9 +8502,10 @@
           <a:lstStyle/>
           <a:p>
             <a:r>
-              <a:rPr lang="en-US" dirty="0"/>
+              <a:rPr lang="en-US"/>
               <a:t>Multiple smaller bottlenecks that hinder the implementation as a full-scale service  </a:t>
             </a:r>
+            <a:endParaRPr lang="en-US" dirty="0"/>
           </a:p>
         </p:txBody>
       </p:sp>
@@ -9296,6 +9297,15 @@
 </file>
 
 <file path=customXml/item1.xml><?xml version="1.0" encoding="utf-8"?>
+<?mso-contentType ?>
+<FormTemplates xmlns="http://schemas.microsoft.com/sharepoint/v3/contenttype/forms">
+  <Display>DocumentLibraryForm</Display>
+  <Edit>DocumentLibraryForm</Edit>
+  <New>DocumentLibraryForm</New>
+</FormTemplates>
+</file>
+
+<file path=customXml/item2.xml><?xml version="1.0" encoding="utf-8"?>
 <ct:contentTypeSchema xmlns:ct="http://schemas.microsoft.com/office/2006/metadata/contentType" xmlns:ma="http://schemas.microsoft.com/office/2006/metadata/properties/metaAttributes" ct:_="" ma:_="" ma:contentTypeName="Document" ma:contentTypeID="0x01010079F111ED35F8CC479449609E8A0923A6" ma:contentTypeVersion="12" ma:contentTypeDescription="Create a new document." ma:contentTypeScope="" ma:versionID="a410dd7f93c95333ffa1b60ed6adedd1">
   <xsd:schema xmlns:xsd="http://www.w3.org/2001/XMLSchema" xmlns:xs="http://www.w3.org/2001/XMLSchema" xmlns:p="http://schemas.microsoft.com/office/2006/metadata/properties" xmlns:ns2="71af3243-3dd4-4a8d-8c0d-dd76da1f02a5" xmlns:ns3="16c05727-aa75-4e4a-9b5f-8a80a1165891" targetNamespace="http://schemas.microsoft.com/office/2006/metadata/properties" ma:root="true" ma:fieldsID="a936d9baba76aa3866493feff160faab" ns2:_="" ns3:_="">
     <xsd:import namespace="71af3243-3dd4-4a8d-8c0d-dd76da1f02a5"/>
@@ -9516,15 +9526,6 @@
 </ct:contentTypeSchema>
 </file>
 
-<file path=customXml/item2.xml><?xml version="1.0" encoding="utf-8"?>
-<?mso-contentType ?>
-<FormTemplates xmlns="http://schemas.microsoft.com/sharepoint/v3/contenttype/forms">
-  <Display>DocumentLibraryForm</Display>
-  <Edit>DocumentLibraryForm</Edit>
-  <New>DocumentLibraryForm</New>
-</FormTemplates>
-</file>
-
 <file path=customXml/item3.xml><?xml version="1.0" encoding="utf-8"?>
 <p:properties xmlns:p="http://schemas.microsoft.com/office/2006/metadata/properties" xmlns:xsi="http://www.w3.org/2001/XMLSchema-instance" xmlns:pc="http://schemas.microsoft.com/office/infopath/2007/PartnerControls">
   <documentManagement>
@@ -9535,6 +9536,14 @@
 </file>
 
 <file path=customXml/itemProps1.xml><?xml version="1.0" encoding="utf-8"?>
+<ds:datastoreItem xmlns:ds="http://schemas.openxmlformats.org/officeDocument/2006/customXml" ds:itemID="{CDB58277-F8DF-46FF-84EC-EF41B835E69F}">
+  <ds:schemaRefs>
+    <ds:schemaRef ds:uri="http://schemas.microsoft.com/sharepoint/v3/contenttype/forms"/>
+  </ds:schemaRefs>
+</ds:datastoreItem>
+</file>
+
+<file path=customXml/itemProps2.xml><?xml version="1.0" encoding="utf-8"?>
 <ds:datastoreItem xmlns:ds="http://schemas.openxmlformats.org/officeDocument/2006/customXml" ds:itemID="{2D276E62-80A3-44DD-9BCC-97ED2B99B57F}">
   <ds:schemaRefs>
     <ds:schemaRef ds:uri="http://schemas.microsoft.com/office/2006/metadata/contentType"/>
@@ -9553,14 +9562,6 @@
 </ds:datastoreItem>
 </file>
 
-<file path=customXml/itemProps2.xml><?xml version="1.0" encoding="utf-8"?>
-<ds:datastoreItem xmlns:ds="http://schemas.openxmlformats.org/officeDocument/2006/customXml" ds:itemID="{CDB58277-F8DF-46FF-84EC-EF41B835E69F}">
-  <ds:schemaRefs>
-    <ds:schemaRef ds:uri="http://schemas.microsoft.com/sharepoint/v3/contenttype/forms"/>
-  </ds:schemaRefs>
-</ds:datastoreItem>
-</file>
-
 <file path=customXml/itemProps3.xml><?xml version="1.0" encoding="utf-8"?>
 <ds:datastoreItem xmlns:ds="http://schemas.openxmlformats.org/officeDocument/2006/customXml" ds:itemID="{137651BA-F45C-4845-9AB3-E0A65B39F5E1}">
   <ds:schemaRefs>

--- a/SSD Feature Detection Selling points.pptx
+++ b/SSD Feature Detection Selling points.pptx
@@ -25,6 +25,7 @@
     <p:sldId id="275" r:id="rId22"/>
     <p:sldId id="276" r:id="rId23"/>
     <p:sldId id="268" r:id="rId24"/>
+    <p:sldId id="277" r:id="rId25"/>
   </p:sldIdLst>
   <p:sldSz cx="12192000" cy="6858000"/>
   <p:notesSz cx="6858000" cy="9144000"/>
@@ -7776,7 +7777,9 @@
         </p:nvSpPr>
         <p:spPr/>
         <p:txBody>
-          <a:bodyPr/>
+          <a:bodyPr>
+            <a:normAutofit/>
+          </a:bodyPr>
           <a:lstStyle/>
           <a:p>
             <a:r>
@@ -7799,25 +7802,43 @@
           <a:p>
             <a:r>
               <a:rPr lang="en-US" sz="1800" dirty="0"/>
-              <a:t>Check out  Equivariant Steerable CNNs to solve problem 3 </a:t>
+              <a:t>Check out  Equivariant Steerable CNNs to solve problem 3</a:t>
+            </a:r>
+            <a:r>
+              <a:rPr lang="en-US" sz="1050" dirty="0"/>
+              <a:t> </a:t>
+            </a:r>
+            <a:r>
+              <a:rPr lang="en-US" sz="1000" dirty="0"/>
+              <a:t>(https://github.com/QUVA-Lab/e2cnn)</a:t>
             </a:r>
           </a:p>
           <a:p>
             <a:r>
               <a:rPr lang="en-US" sz="1800" dirty="0"/>
-              <a:t>Design small scale validation test</a:t>
+              <a:t>Design small scale validation test </a:t>
+            </a:r>
+            <a:r>
+              <a:rPr lang="en-US" sz="1000" dirty="0"/>
+              <a:t>(Check evaluation metric)</a:t>
             </a:r>
           </a:p>
           <a:p>
             <a:r>
               <a:rPr lang="en-US" sz="1800" dirty="0"/>
-              <a:t>Add more features</a:t>
+              <a:t>Add more features (Automatic data-set creation)</a:t>
             </a:r>
           </a:p>
           <a:p>
             <a:r>
               <a:rPr lang="en-US" sz="1800" dirty="0"/>
               <a:t>Increase NN resolution from 64 to 128</a:t>
+            </a:r>
+          </a:p>
+          <a:p>
+            <a:r>
+              <a:rPr lang="en-US" sz="1800" dirty="0"/>
+              <a:t>What is the best aspect ratio to find features </a:t>
             </a:r>
           </a:p>
           <a:p>
@@ -7829,6 +7850,92 @@
     <p:extLst>
       <p:ext uri="{BB962C8B-B14F-4D97-AF65-F5344CB8AC3E}">
         <p14:creationId xmlns:p14="http://schemas.microsoft.com/office/powerpoint/2010/main" val="1611695435"/>
+      </p:ext>
+    </p:extLst>
+  </p:cSld>
+  <p:clrMapOvr>
+    <a:masterClrMapping/>
+  </p:clrMapOvr>
+</p:sld>
+</file>
+
+<file path=ppt/slides/slide21.xml><?xml version="1.0" encoding="utf-8"?>
+<p:sld xmlns:a="http://schemas.openxmlformats.org/drawingml/2006/main" xmlns:r="http://schemas.openxmlformats.org/officeDocument/2006/relationships" xmlns:p="http://schemas.openxmlformats.org/presentationml/2006/main">
+  <p:cSld>
+    <p:spTree>
+      <p:nvGrpSpPr>
+        <p:cNvPr id="1" name=""/>
+        <p:cNvGrpSpPr/>
+        <p:nvPr/>
+      </p:nvGrpSpPr>
+      <p:grpSpPr>
+        <a:xfrm>
+          <a:off x="0" y="0"/>
+          <a:ext cx="0" cy="0"/>
+          <a:chOff x="0" y="0"/>
+          <a:chExt cx="0" cy="0"/>
+        </a:xfrm>
+      </p:grpSpPr>
+      <p:sp>
+        <p:nvSpPr>
+          <p:cNvPr id="2" name="Title 1">
+            <a:extLst>
+              <a:ext uri="{FF2B5EF4-FFF2-40B4-BE49-F238E27FC236}">
+                <a16:creationId xmlns:a16="http://schemas.microsoft.com/office/drawing/2014/main" id="{F7E35D26-9C8E-48BC-A97E-51F4B6CA2468}"/>
+              </a:ext>
+            </a:extLst>
+          </p:cNvPr>
+          <p:cNvSpPr>
+            <a:spLocks noGrp="1"/>
+          </p:cNvSpPr>
+          <p:nvPr>
+            <p:ph type="title"/>
+          </p:nvPr>
+        </p:nvSpPr>
+        <p:spPr/>
+        <p:txBody>
+          <a:bodyPr/>
+          <a:lstStyle/>
+          <a:p>
+            <a:r>
+              <a:rPr lang="en-US" dirty="0"/>
+              <a:t>Ideas:</a:t>
+            </a:r>
+          </a:p>
+        </p:txBody>
+      </p:sp>
+      <p:sp>
+        <p:nvSpPr>
+          <p:cNvPr id="3" name="Content Placeholder 2">
+            <a:extLst>
+              <a:ext uri="{FF2B5EF4-FFF2-40B4-BE49-F238E27FC236}">
+                <a16:creationId xmlns:a16="http://schemas.microsoft.com/office/drawing/2014/main" id="{75DFC2F0-0CE6-4AAA-9274-A38156EEB2D0}"/>
+              </a:ext>
+            </a:extLst>
+          </p:cNvPr>
+          <p:cNvSpPr>
+            <a:spLocks noGrp="1"/>
+          </p:cNvSpPr>
+          <p:nvPr>
+            <p:ph idx="1"/>
+          </p:nvPr>
+        </p:nvSpPr>
+        <p:spPr/>
+        <p:txBody>
+          <a:bodyPr/>
+          <a:lstStyle/>
+          <a:p>
+            <a:r>
+              <a:rPr lang="en-US" dirty="0"/>
+              <a:t>Replace STL turning with matrix turning ?</a:t>
+            </a:r>
+          </a:p>
+        </p:txBody>
+      </p:sp>
+    </p:spTree>
+    <p:extLst>
+      <p:ext uri="{BB962C8B-B14F-4D97-AF65-F5344CB8AC3E}">
+        <p14:creationId xmlns:p14="http://schemas.microsoft.com/office/powerpoint/2010/main" val="2881557596"/>
       </p:ext>
     </p:extLst>
   </p:cSld>
@@ -9297,15 +9404,6 @@
 </file>
 
 <file path=customXml/item1.xml><?xml version="1.0" encoding="utf-8"?>
-<?mso-contentType ?>
-<FormTemplates xmlns="http://schemas.microsoft.com/sharepoint/v3/contenttype/forms">
-  <Display>DocumentLibraryForm</Display>
-  <Edit>DocumentLibraryForm</Edit>
-  <New>DocumentLibraryForm</New>
-</FormTemplates>
-</file>
-
-<file path=customXml/item2.xml><?xml version="1.0" encoding="utf-8"?>
 <ct:contentTypeSchema xmlns:ct="http://schemas.microsoft.com/office/2006/metadata/contentType" xmlns:ma="http://schemas.microsoft.com/office/2006/metadata/properties/metaAttributes" ct:_="" ma:_="" ma:contentTypeName="Document" ma:contentTypeID="0x01010079F111ED35F8CC479449609E8A0923A6" ma:contentTypeVersion="12" ma:contentTypeDescription="Create a new document." ma:contentTypeScope="" ma:versionID="a410dd7f93c95333ffa1b60ed6adedd1">
   <xsd:schema xmlns:xsd="http://www.w3.org/2001/XMLSchema" xmlns:xs="http://www.w3.org/2001/XMLSchema" xmlns:p="http://schemas.microsoft.com/office/2006/metadata/properties" xmlns:ns2="71af3243-3dd4-4a8d-8c0d-dd76da1f02a5" xmlns:ns3="16c05727-aa75-4e4a-9b5f-8a80a1165891" targetNamespace="http://schemas.microsoft.com/office/2006/metadata/properties" ma:root="true" ma:fieldsID="a936d9baba76aa3866493feff160faab" ns2:_="" ns3:_="">
     <xsd:import namespace="71af3243-3dd4-4a8d-8c0d-dd76da1f02a5"/>
@@ -9526,6 +9624,15 @@
 </ct:contentTypeSchema>
 </file>
 
+<file path=customXml/item2.xml><?xml version="1.0" encoding="utf-8"?>
+<?mso-contentType ?>
+<FormTemplates xmlns="http://schemas.microsoft.com/sharepoint/v3/contenttype/forms">
+  <Display>DocumentLibraryForm</Display>
+  <Edit>DocumentLibraryForm</Edit>
+  <New>DocumentLibraryForm</New>
+</FormTemplates>
+</file>
+
 <file path=customXml/item3.xml><?xml version="1.0" encoding="utf-8"?>
 <p:properties xmlns:p="http://schemas.microsoft.com/office/2006/metadata/properties" xmlns:xsi="http://www.w3.org/2001/XMLSchema-instance" xmlns:pc="http://schemas.microsoft.com/office/infopath/2007/PartnerControls">
   <documentManagement>
@@ -9536,14 +9643,6 @@
 </file>
 
 <file path=customXml/itemProps1.xml><?xml version="1.0" encoding="utf-8"?>
-<ds:datastoreItem xmlns:ds="http://schemas.openxmlformats.org/officeDocument/2006/customXml" ds:itemID="{CDB58277-F8DF-46FF-84EC-EF41B835E69F}">
-  <ds:schemaRefs>
-    <ds:schemaRef ds:uri="http://schemas.microsoft.com/sharepoint/v3/contenttype/forms"/>
-  </ds:schemaRefs>
-</ds:datastoreItem>
-</file>
-
-<file path=customXml/itemProps2.xml><?xml version="1.0" encoding="utf-8"?>
 <ds:datastoreItem xmlns:ds="http://schemas.openxmlformats.org/officeDocument/2006/customXml" ds:itemID="{2D276E62-80A3-44DD-9BCC-97ED2B99B57F}">
   <ds:schemaRefs>
     <ds:schemaRef ds:uri="http://schemas.microsoft.com/office/2006/metadata/contentType"/>
@@ -9562,6 +9661,14 @@
 </ds:datastoreItem>
 </file>
 
+<file path=customXml/itemProps2.xml><?xml version="1.0" encoding="utf-8"?>
+<ds:datastoreItem xmlns:ds="http://schemas.openxmlformats.org/officeDocument/2006/customXml" ds:itemID="{CDB58277-F8DF-46FF-84EC-EF41B835E69F}">
+  <ds:schemaRefs>
+    <ds:schemaRef ds:uri="http://schemas.microsoft.com/sharepoint/v3/contenttype/forms"/>
+  </ds:schemaRefs>
+</ds:datastoreItem>
+</file>
+
 <file path=customXml/itemProps3.xml><?xml version="1.0" encoding="utf-8"?>
 <ds:datastoreItem xmlns:ds="http://schemas.openxmlformats.org/officeDocument/2006/customXml" ds:itemID="{137651BA-F45C-4845-9AB3-E0A65B39F5E1}">
   <ds:schemaRefs>

--- a/SSD Feature Detection Selling points.pptx
+++ b/SSD Feature Detection Selling points.pptx
@@ -4390,52 +4390,6 @@
       </p:sp>
       <p:sp>
         <p:nvSpPr>
-          <p:cNvPr id="7" name="Arrow: Right 6">
-            <a:extLst>
-              <a:ext uri="{FF2B5EF4-FFF2-40B4-BE49-F238E27FC236}">
-                <a16:creationId xmlns:a16="http://schemas.microsoft.com/office/drawing/2014/main" id="{08A0A6BF-AD07-4982-AAD9-1E1CBD473FCF}"/>
-              </a:ext>
-            </a:extLst>
-          </p:cNvPr>
-          <p:cNvSpPr/>
-          <p:nvPr/>
-        </p:nvSpPr>
-        <p:spPr>
-          <a:xfrm>
-            <a:off x="1850786" y="3725489"/>
-            <a:ext cx="889233" cy="335560"/>
-          </a:xfrm>
-          <a:prstGeom prst="rightArrow">
-            <a:avLst/>
-          </a:prstGeom>
-        </p:spPr>
-        <p:style>
-          <a:lnRef idx="2">
-            <a:schemeClr val="accent1">
-              <a:shade val="50000"/>
-            </a:schemeClr>
-          </a:lnRef>
-          <a:fillRef idx="1">
-            <a:schemeClr val="accent1"/>
-          </a:fillRef>
-          <a:effectRef idx="0">
-            <a:schemeClr val="accent1"/>
-          </a:effectRef>
-          <a:fontRef idx="minor">
-            <a:schemeClr val="lt1"/>
-          </a:fontRef>
-        </p:style>
-        <p:txBody>
-          <a:bodyPr rtlCol="0" anchor="ctr"/>
-          <a:lstStyle/>
-          <a:p>
-            <a:pPr algn="ctr"/>
-            <a:endParaRPr lang="en-US"/>
-          </a:p>
-        </p:txBody>
-      </p:sp>
-      <p:sp>
-        <p:nvSpPr>
           <p:cNvPr id="8" name="TextBox 7">
             <a:extLst>
               <a:ext uri="{FF2B5EF4-FFF2-40B4-BE49-F238E27FC236}">
@@ -4464,7 +4418,7 @@
           <a:p>
             <a:r>
               <a:rPr lang="en-US" dirty="0"/>
-              <a:t>How to we detect the same feature if it is on an angle relative to the local coordinate system</a:t>
+              <a:t>How to detect the same feature if it is on an angle relative to the local coordinate system</a:t>
             </a:r>
           </a:p>
         </p:txBody>
@@ -6501,7 +6455,7 @@
             </a:pPr>
             <a:r>
               <a:rPr lang="en-US" dirty="0"/>
-              <a:t>Not possible with blind hole </a:t>
+              <a:t>Not possible with circular blind hole </a:t>
             </a:r>
             <a:r>
               <a:rPr lang="en-US" dirty="0">
@@ -7684,7 +7638,7 @@
           <a:p>
             <a:r>
               <a:rPr lang="en-US" sz="2800" dirty="0"/>
-              <a:t>Overlapping </a:t>
+              <a:t>Overlapping Features</a:t>
             </a:r>
           </a:p>
           <a:p>
@@ -9404,6 +9358,15 @@
 </file>
 
 <file path=customXml/item1.xml><?xml version="1.0" encoding="utf-8"?>
+<?mso-contentType ?>
+<FormTemplates xmlns="http://schemas.microsoft.com/sharepoint/v3/contenttype/forms">
+  <Display>DocumentLibraryForm</Display>
+  <Edit>DocumentLibraryForm</Edit>
+  <New>DocumentLibraryForm</New>
+</FormTemplates>
+</file>
+
+<file path=customXml/item2.xml><?xml version="1.0" encoding="utf-8"?>
 <ct:contentTypeSchema xmlns:ct="http://schemas.microsoft.com/office/2006/metadata/contentType" xmlns:ma="http://schemas.microsoft.com/office/2006/metadata/properties/metaAttributes" ct:_="" ma:_="" ma:contentTypeName="Document" ma:contentTypeID="0x01010079F111ED35F8CC479449609E8A0923A6" ma:contentTypeVersion="12" ma:contentTypeDescription="Create a new document." ma:contentTypeScope="" ma:versionID="a410dd7f93c95333ffa1b60ed6adedd1">
   <xsd:schema xmlns:xsd="http://www.w3.org/2001/XMLSchema" xmlns:xs="http://www.w3.org/2001/XMLSchema" xmlns:p="http://schemas.microsoft.com/office/2006/metadata/properties" xmlns:ns2="71af3243-3dd4-4a8d-8c0d-dd76da1f02a5" xmlns:ns3="16c05727-aa75-4e4a-9b5f-8a80a1165891" targetNamespace="http://schemas.microsoft.com/office/2006/metadata/properties" ma:root="true" ma:fieldsID="a936d9baba76aa3866493feff160faab" ns2:_="" ns3:_="">
     <xsd:import namespace="71af3243-3dd4-4a8d-8c0d-dd76da1f02a5"/>
@@ -9624,15 +9587,6 @@
 </ct:contentTypeSchema>
 </file>
 
-<file path=customXml/item2.xml><?xml version="1.0" encoding="utf-8"?>
-<?mso-contentType ?>
-<FormTemplates xmlns="http://schemas.microsoft.com/sharepoint/v3/contenttype/forms">
-  <Display>DocumentLibraryForm</Display>
-  <Edit>DocumentLibraryForm</Edit>
-  <New>DocumentLibraryForm</New>
-</FormTemplates>
-</file>
-
 <file path=customXml/item3.xml><?xml version="1.0" encoding="utf-8"?>
 <p:properties xmlns:p="http://schemas.microsoft.com/office/2006/metadata/properties" xmlns:xsi="http://www.w3.org/2001/XMLSchema-instance" xmlns:pc="http://schemas.microsoft.com/office/infopath/2007/PartnerControls">
   <documentManagement>
@@ -9643,6 +9597,14 @@
 </file>
 
 <file path=customXml/itemProps1.xml><?xml version="1.0" encoding="utf-8"?>
+<ds:datastoreItem xmlns:ds="http://schemas.openxmlformats.org/officeDocument/2006/customXml" ds:itemID="{CDB58277-F8DF-46FF-84EC-EF41B835E69F}">
+  <ds:schemaRefs>
+    <ds:schemaRef ds:uri="http://schemas.microsoft.com/sharepoint/v3/contenttype/forms"/>
+  </ds:schemaRefs>
+</ds:datastoreItem>
+</file>
+
+<file path=customXml/itemProps2.xml><?xml version="1.0" encoding="utf-8"?>
 <ds:datastoreItem xmlns:ds="http://schemas.openxmlformats.org/officeDocument/2006/customXml" ds:itemID="{2D276E62-80A3-44DD-9BCC-97ED2B99B57F}">
   <ds:schemaRefs>
     <ds:schemaRef ds:uri="http://schemas.microsoft.com/office/2006/metadata/contentType"/>
@@ -9661,14 +9623,6 @@
 </ds:datastoreItem>
 </file>
 
-<file path=customXml/itemProps2.xml><?xml version="1.0" encoding="utf-8"?>
-<ds:datastoreItem xmlns:ds="http://schemas.openxmlformats.org/officeDocument/2006/customXml" ds:itemID="{CDB58277-F8DF-46FF-84EC-EF41B835E69F}">
-  <ds:schemaRefs>
-    <ds:schemaRef ds:uri="http://schemas.microsoft.com/sharepoint/v3/contenttype/forms"/>
-  </ds:schemaRefs>
-</ds:datastoreItem>
-</file>
-
 <file path=customXml/itemProps3.xml><?xml version="1.0" encoding="utf-8"?>
 <ds:datastoreItem xmlns:ds="http://schemas.openxmlformats.org/officeDocument/2006/customXml" ds:itemID="{137651BA-F45C-4845-9AB3-E0A65B39F5E1}">
   <ds:schemaRefs>

--- a/SSD Feature Detection Selling points.pptx
+++ b/SSD Feature Detection Selling points.pptx
@@ -4,6 +4,9 @@
   <p:sldMasterIdLst>
     <p:sldMasterId id="2147483673" r:id="rId4"/>
   </p:sldMasterIdLst>
+  <p:notesMasterIdLst>
+    <p:notesMasterId r:id="rId26"/>
+  </p:notesMasterIdLst>
   <p:sldIdLst>
     <p:sldId id="257" r:id="rId5"/>
     <p:sldId id="258" r:id="rId6"/>
@@ -125,11 +128,506 @@
     </a:lvl9pPr>
   </p:defaultTextStyle>
   <p:extLst>
+    <p:ext uri="{521415D9-36F7-43E2-AB2F-B90AF26B5E84}">
+      <p14:sectionLst xmlns:p14="http://schemas.microsoft.com/office/powerpoint/2010/main">
+        <p14:section name="Intro" id="{502F0741-F480-45CE-859B-638A3D0A310C}">
+          <p14:sldIdLst>
+            <p14:sldId id="257"/>
+            <p14:sldId id="258"/>
+            <p14:sldId id="259"/>
+            <p14:sldId id="260"/>
+            <p14:sldId id="261"/>
+            <p14:sldId id="262"/>
+          </p14:sldIdLst>
+        </p14:section>
+        <p14:section name="Top 3 Challenges" id="{DFB65D65-1863-4CBC-802D-84D7077C3657}">
+          <p14:sldIdLst>
+            <p14:sldId id="263"/>
+            <p14:sldId id="264"/>
+            <p14:sldId id="265"/>
+            <p14:sldId id="266"/>
+          </p14:sldIdLst>
+        </p14:section>
+        <p14:section name="The New Approach" id="{4D23B0A2-86C0-4CE9-BEC4-C7CCA291D9DA}">
+          <p14:sldIdLst>
+            <p14:sldId id="267"/>
+            <p14:sldId id="269"/>
+            <p14:sldId id="270"/>
+            <p14:sldId id="271"/>
+            <p14:sldId id="272"/>
+            <p14:sldId id="273"/>
+            <p14:sldId id="274"/>
+            <p14:sldId id="275"/>
+            <p14:sldId id="276"/>
+            <p14:sldId id="268"/>
+            <p14:sldId id="277"/>
+          </p14:sldIdLst>
+        </p14:section>
+      </p14:sectionLst>
+    </p:ext>
     <p:ext uri="{EFAFB233-063F-42B5-8137-9DF3F51BA10A}">
       <p15:sldGuideLst xmlns:p15="http://schemas.microsoft.com/office/powerpoint/2012/main"/>
     </p:ext>
+    <p:ext uri="{2D200454-40CA-4A62-9FC3-DE9A4176ACB9}">
+      <p15:notesGuideLst xmlns:p15="http://schemas.microsoft.com/office/powerpoint/2012/main"/>
+    </p:ext>
   </p:extLst>
 </p:presentation>
+</file>
+
+<file path=ppt/notesMasters/notesMaster1.xml><?xml version="1.0" encoding="utf-8"?>
+<p:notesMaster xmlns:a="http://schemas.openxmlformats.org/drawingml/2006/main" xmlns:r="http://schemas.openxmlformats.org/officeDocument/2006/relationships" xmlns:p="http://schemas.openxmlformats.org/presentationml/2006/main">
+  <p:cSld>
+    <p:bg>
+      <p:bgRef idx="1001">
+        <a:schemeClr val="bg1"/>
+      </p:bgRef>
+    </p:bg>
+    <p:spTree>
+      <p:nvGrpSpPr>
+        <p:cNvPr id="1" name=""/>
+        <p:cNvGrpSpPr/>
+        <p:nvPr/>
+      </p:nvGrpSpPr>
+      <p:grpSpPr>
+        <a:xfrm>
+          <a:off x="0" y="0"/>
+          <a:ext cx="0" cy="0"/>
+          <a:chOff x="0" y="0"/>
+          <a:chExt cx="0" cy="0"/>
+        </a:xfrm>
+      </p:grpSpPr>
+      <p:sp>
+        <p:nvSpPr>
+          <p:cNvPr id="2" name="Header Placeholder 1"/>
+          <p:cNvSpPr>
+            <a:spLocks noGrp="1"/>
+          </p:cNvSpPr>
+          <p:nvPr>
+            <p:ph type="hdr" sz="quarter"/>
+          </p:nvPr>
+        </p:nvSpPr>
+        <p:spPr>
+          <a:xfrm>
+            <a:off x="0" y="0"/>
+            <a:ext cx="2971800" cy="458788"/>
+          </a:xfrm>
+          <a:prstGeom prst="rect">
+            <a:avLst/>
+          </a:prstGeom>
+        </p:spPr>
+        <p:txBody>
+          <a:bodyPr vert="horz" lIns="91440" tIns="45720" rIns="91440" bIns="45720" rtlCol="0"/>
+          <a:lstStyle>
+            <a:lvl1pPr algn="l">
+              <a:defRPr sz="1200"/>
+            </a:lvl1pPr>
+          </a:lstStyle>
+          <a:p>
+            <a:endParaRPr lang="en-US"/>
+          </a:p>
+        </p:txBody>
+      </p:sp>
+      <p:sp>
+        <p:nvSpPr>
+          <p:cNvPr id="3" name="Date Placeholder 2"/>
+          <p:cNvSpPr>
+            <a:spLocks noGrp="1"/>
+          </p:cNvSpPr>
+          <p:nvPr>
+            <p:ph type="dt" idx="1"/>
+          </p:nvPr>
+        </p:nvSpPr>
+        <p:spPr>
+          <a:xfrm>
+            <a:off x="3884613" y="0"/>
+            <a:ext cx="2971800" cy="458788"/>
+          </a:xfrm>
+          <a:prstGeom prst="rect">
+            <a:avLst/>
+          </a:prstGeom>
+        </p:spPr>
+        <p:txBody>
+          <a:bodyPr vert="horz" lIns="91440" tIns="45720" rIns="91440" bIns="45720" rtlCol="0"/>
+          <a:lstStyle>
+            <a:lvl1pPr algn="r">
+              <a:defRPr sz="1200"/>
+            </a:lvl1pPr>
+          </a:lstStyle>
+          <a:p>
+            <a:fld id="{02675569-5933-4727-A940-3926F137A439}" type="datetimeFigureOut">
+              <a:rPr lang="en-US" smtClean="0"/>
+              <a:t>8/28/2021</a:t>
+            </a:fld>
+            <a:endParaRPr lang="en-US"/>
+          </a:p>
+        </p:txBody>
+      </p:sp>
+      <p:sp>
+        <p:nvSpPr>
+          <p:cNvPr id="4" name="Slide Image Placeholder 3"/>
+          <p:cNvSpPr>
+            <a:spLocks noGrp="1" noRot="1" noChangeAspect="1"/>
+          </p:cNvSpPr>
+          <p:nvPr>
+            <p:ph type="sldImg" idx="2"/>
+          </p:nvPr>
+        </p:nvSpPr>
+        <p:spPr>
+          <a:xfrm>
+            <a:off x="685800" y="1143000"/>
+            <a:ext cx="5486400" cy="3086100"/>
+          </a:xfrm>
+          <a:prstGeom prst="rect">
+            <a:avLst/>
+          </a:prstGeom>
+          <a:noFill/>
+          <a:ln w="12700">
+            <a:solidFill>
+              <a:prstClr val="black"/>
+            </a:solidFill>
+          </a:ln>
+        </p:spPr>
+        <p:txBody>
+          <a:bodyPr vert="horz" lIns="91440" tIns="45720" rIns="91440" bIns="45720" rtlCol="0" anchor="ctr"/>
+          <a:lstStyle/>
+          <a:p>
+            <a:endParaRPr lang="en-US"/>
+          </a:p>
+        </p:txBody>
+      </p:sp>
+      <p:sp>
+        <p:nvSpPr>
+          <p:cNvPr id="5" name="Notes Placeholder 4"/>
+          <p:cNvSpPr>
+            <a:spLocks noGrp="1"/>
+          </p:cNvSpPr>
+          <p:nvPr>
+            <p:ph type="body" sz="quarter" idx="3"/>
+          </p:nvPr>
+        </p:nvSpPr>
+        <p:spPr>
+          <a:xfrm>
+            <a:off x="685800" y="4400550"/>
+            <a:ext cx="5486400" cy="3600450"/>
+          </a:xfrm>
+          <a:prstGeom prst="rect">
+            <a:avLst/>
+          </a:prstGeom>
+        </p:spPr>
+        <p:txBody>
+          <a:bodyPr vert="horz" lIns="91440" tIns="45720" rIns="91440" bIns="45720" rtlCol="0"/>
+          <a:lstStyle/>
+          <a:p>
+            <a:pPr lvl="0"/>
+            <a:r>
+              <a:rPr lang="en-US"/>
+              <a:t>Click to edit Master text styles</a:t>
+            </a:r>
+          </a:p>
+          <a:p>
+            <a:pPr lvl="1"/>
+            <a:r>
+              <a:rPr lang="en-US"/>
+              <a:t>Second level</a:t>
+            </a:r>
+          </a:p>
+          <a:p>
+            <a:pPr lvl="2"/>
+            <a:r>
+              <a:rPr lang="en-US"/>
+              <a:t>Third level</a:t>
+            </a:r>
+          </a:p>
+          <a:p>
+            <a:pPr lvl="3"/>
+            <a:r>
+              <a:rPr lang="en-US"/>
+              <a:t>Fourth level</a:t>
+            </a:r>
+          </a:p>
+          <a:p>
+            <a:pPr lvl="4"/>
+            <a:r>
+              <a:rPr lang="en-US"/>
+              <a:t>Fifth level</a:t>
+            </a:r>
+          </a:p>
+        </p:txBody>
+      </p:sp>
+      <p:sp>
+        <p:nvSpPr>
+          <p:cNvPr id="6" name="Footer Placeholder 5"/>
+          <p:cNvSpPr>
+            <a:spLocks noGrp="1"/>
+          </p:cNvSpPr>
+          <p:nvPr>
+            <p:ph type="ftr" sz="quarter" idx="4"/>
+          </p:nvPr>
+        </p:nvSpPr>
+        <p:spPr>
+          <a:xfrm>
+            <a:off x="0" y="8685213"/>
+            <a:ext cx="2971800" cy="458787"/>
+          </a:xfrm>
+          <a:prstGeom prst="rect">
+            <a:avLst/>
+          </a:prstGeom>
+        </p:spPr>
+        <p:txBody>
+          <a:bodyPr vert="horz" lIns="91440" tIns="45720" rIns="91440" bIns="45720" rtlCol="0" anchor="b"/>
+          <a:lstStyle>
+            <a:lvl1pPr algn="l">
+              <a:defRPr sz="1200"/>
+            </a:lvl1pPr>
+          </a:lstStyle>
+          <a:p>
+            <a:endParaRPr lang="en-US"/>
+          </a:p>
+        </p:txBody>
+      </p:sp>
+      <p:sp>
+        <p:nvSpPr>
+          <p:cNvPr id="7" name="Slide Number Placeholder 6"/>
+          <p:cNvSpPr>
+            <a:spLocks noGrp="1"/>
+          </p:cNvSpPr>
+          <p:nvPr>
+            <p:ph type="sldNum" sz="quarter" idx="5"/>
+          </p:nvPr>
+        </p:nvSpPr>
+        <p:spPr>
+          <a:xfrm>
+            <a:off x="3884613" y="8685213"/>
+            <a:ext cx="2971800" cy="458787"/>
+          </a:xfrm>
+          <a:prstGeom prst="rect">
+            <a:avLst/>
+          </a:prstGeom>
+        </p:spPr>
+        <p:txBody>
+          <a:bodyPr vert="horz" lIns="91440" tIns="45720" rIns="91440" bIns="45720" rtlCol="0" anchor="b"/>
+          <a:lstStyle>
+            <a:lvl1pPr algn="r">
+              <a:defRPr sz="1200"/>
+            </a:lvl1pPr>
+          </a:lstStyle>
+          <a:p>
+            <a:fld id="{54753290-1D28-46C7-820A-D6711C0EF028}" type="slidenum">
+              <a:rPr lang="en-US" smtClean="0"/>
+              <a:t>‹#›</a:t>
+            </a:fld>
+            <a:endParaRPr lang="en-US"/>
+          </a:p>
+        </p:txBody>
+      </p:sp>
+    </p:spTree>
+    <p:extLst>
+      <p:ext uri="{BB962C8B-B14F-4D97-AF65-F5344CB8AC3E}">
+        <p14:creationId xmlns:p14="http://schemas.microsoft.com/office/powerpoint/2010/main" val="1471125054"/>
+      </p:ext>
+    </p:extLst>
+  </p:cSld>
+  <p:clrMap bg1="lt1" tx1="dk1" bg2="lt2" tx2="dk2" accent1="accent1" accent2="accent2" accent3="accent3" accent4="accent4" accent5="accent5" accent6="accent6" hlink="hlink" folHlink="folHlink"/>
+  <p:notesStyle>
+    <a:lvl1pPr marL="0" algn="l" defTabSz="914400" rtl="0" eaLnBrk="1" latinLnBrk="0" hangingPunct="1">
+      <a:defRPr sz="1200" kern="1200">
+        <a:solidFill>
+          <a:schemeClr val="tx1"/>
+        </a:solidFill>
+        <a:latin typeface="+mn-lt"/>
+        <a:ea typeface="+mn-ea"/>
+        <a:cs typeface="+mn-cs"/>
+      </a:defRPr>
+    </a:lvl1pPr>
+    <a:lvl2pPr marL="457200" algn="l" defTabSz="914400" rtl="0" eaLnBrk="1" latinLnBrk="0" hangingPunct="1">
+      <a:defRPr sz="1200" kern="1200">
+        <a:solidFill>
+          <a:schemeClr val="tx1"/>
+        </a:solidFill>
+        <a:latin typeface="+mn-lt"/>
+        <a:ea typeface="+mn-ea"/>
+        <a:cs typeface="+mn-cs"/>
+      </a:defRPr>
+    </a:lvl2pPr>
+    <a:lvl3pPr marL="914400" algn="l" defTabSz="914400" rtl="0" eaLnBrk="1" latinLnBrk="0" hangingPunct="1">
+      <a:defRPr sz="1200" kern="1200">
+        <a:solidFill>
+          <a:schemeClr val="tx1"/>
+        </a:solidFill>
+        <a:latin typeface="+mn-lt"/>
+        <a:ea typeface="+mn-ea"/>
+        <a:cs typeface="+mn-cs"/>
+      </a:defRPr>
+    </a:lvl3pPr>
+    <a:lvl4pPr marL="1371600" algn="l" defTabSz="914400" rtl="0" eaLnBrk="1" latinLnBrk="0" hangingPunct="1">
+      <a:defRPr sz="1200" kern="1200">
+        <a:solidFill>
+          <a:schemeClr val="tx1"/>
+        </a:solidFill>
+        <a:latin typeface="+mn-lt"/>
+        <a:ea typeface="+mn-ea"/>
+        <a:cs typeface="+mn-cs"/>
+      </a:defRPr>
+    </a:lvl4pPr>
+    <a:lvl5pPr marL="1828800" algn="l" defTabSz="914400" rtl="0" eaLnBrk="1" latinLnBrk="0" hangingPunct="1">
+      <a:defRPr sz="1200" kern="1200">
+        <a:solidFill>
+          <a:schemeClr val="tx1"/>
+        </a:solidFill>
+        <a:latin typeface="+mn-lt"/>
+        <a:ea typeface="+mn-ea"/>
+        <a:cs typeface="+mn-cs"/>
+      </a:defRPr>
+    </a:lvl5pPr>
+    <a:lvl6pPr marL="2286000" algn="l" defTabSz="914400" rtl="0" eaLnBrk="1" latinLnBrk="0" hangingPunct="1">
+      <a:defRPr sz="1200" kern="1200">
+        <a:solidFill>
+          <a:schemeClr val="tx1"/>
+        </a:solidFill>
+        <a:latin typeface="+mn-lt"/>
+        <a:ea typeface="+mn-ea"/>
+        <a:cs typeface="+mn-cs"/>
+      </a:defRPr>
+    </a:lvl6pPr>
+    <a:lvl7pPr marL="2743200" algn="l" defTabSz="914400" rtl="0" eaLnBrk="1" latinLnBrk="0" hangingPunct="1">
+      <a:defRPr sz="1200" kern="1200">
+        <a:solidFill>
+          <a:schemeClr val="tx1"/>
+        </a:solidFill>
+        <a:latin typeface="+mn-lt"/>
+        <a:ea typeface="+mn-ea"/>
+        <a:cs typeface="+mn-cs"/>
+      </a:defRPr>
+    </a:lvl7pPr>
+    <a:lvl8pPr marL="3200400" algn="l" defTabSz="914400" rtl="0" eaLnBrk="1" latinLnBrk="0" hangingPunct="1">
+      <a:defRPr sz="1200" kern="1200">
+        <a:solidFill>
+          <a:schemeClr val="tx1"/>
+        </a:solidFill>
+        <a:latin typeface="+mn-lt"/>
+        <a:ea typeface="+mn-ea"/>
+        <a:cs typeface="+mn-cs"/>
+      </a:defRPr>
+    </a:lvl8pPr>
+    <a:lvl9pPr marL="3657600" algn="l" defTabSz="914400" rtl="0" eaLnBrk="1" latinLnBrk="0" hangingPunct="1">
+      <a:defRPr sz="1200" kern="1200">
+        <a:solidFill>
+          <a:schemeClr val="tx1"/>
+        </a:solidFill>
+        <a:latin typeface="+mn-lt"/>
+        <a:ea typeface="+mn-ea"/>
+        <a:cs typeface="+mn-cs"/>
+      </a:defRPr>
+    </a:lvl9pPr>
+  </p:notesStyle>
+</p:notesMaster>
+</file>
+
+<file path=ppt/notesSlides/notesSlide1.xml><?xml version="1.0" encoding="utf-8"?>
+<p:notes xmlns:a="http://schemas.openxmlformats.org/drawingml/2006/main" xmlns:r="http://schemas.openxmlformats.org/officeDocument/2006/relationships" xmlns:p="http://schemas.openxmlformats.org/presentationml/2006/main">
+  <p:cSld>
+    <p:spTree>
+      <p:nvGrpSpPr>
+        <p:cNvPr id="1" name=""/>
+        <p:cNvGrpSpPr/>
+        <p:nvPr/>
+      </p:nvGrpSpPr>
+      <p:grpSpPr>
+        <a:xfrm>
+          <a:off x="0" y="0"/>
+          <a:ext cx="0" cy="0"/>
+          <a:chOff x="0" y="0"/>
+          <a:chExt cx="0" cy="0"/>
+        </a:xfrm>
+      </p:grpSpPr>
+      <p:sp>
+        <p:nvSpPr>
+          <p:cNvPr id="2" name="Slide Image Placeholder 1"/>
+          <p:cNvSpPr>
+            <a:spLocks noGrp="1" noRot="1" noChangeAspect="1"/>
+          </p:cNvSpPr>
+          <p:nvPr>
+            <p:ph type="sldImg"/>
+          </p:nvPr>
+        </p:nvSpPr>
+        <p:spPr/>
+      </p:sp>
+      <p:sp>
+        <p:nvSpPr>
+          <p:cNvPr id="3" name="Notes Placeholder 2"/>
+          <p:cNvSpPr>
+            <a:spLocks noGrp="1"/>
+          </p:cNvSpPr>
+          <p:nvPr>
+            <p:ph type="body" idx="1"/>
+          </p:nvPr>
+        </p:nvSpPr>
+        <p:spPr/>
+        <p:txBody>
+          <a:bodyPr/>
+          <a:lstStyle/>
+          <a:p>
+            <a:r>
+              <a:rPr lang="en-US" dirty="0"/>
+              <a:t>Text: </a:t>
+            </a:r>
+            <a:r>
+              <a:rPr lang="en-US" dirty="0" err="1"/>
+              <a:t>rterterterter</a:t>
+            </a:r>
+            <a:endParaRPr lang="en-US" dirty="0"/>
+          </a:p>
+          <a:p>
+            <a:endParaRPr lang="en-US" dirty="0"/>
+          </a:p>
+          <a:p>
+            <a:r>
+              <a:rPr lang="en-US" dirty="0"/>
+              <a:t>Addition info:  </a:t>
+            </a:r>
+            <a:r>
+              <a:rPr lang="en-US" dirty="0" err="1"/>
+              <a:t>lasdkjflkasdjf</a:t>
+            </a:r>
+            <a:endParaRPr lang="en-US" dirty="0"/>
+          </a:p>
+        </p:txBody>
+      </p:sp>
+      <p:sp>
+        <p:nvSpPr>
+          <p:cNvPr id="4" name="Slide Number Placeholder 3"/>
+          <p:cNvSpPr>
+            <a:spLocks noGrp="1"/>
+          </p:cNvSpPr>
+          <p:nvPr>
+            <p:ph type="sldNum" sz="quarter" idx="5"/>
+          </p:nvPr>
+        </p:nvSpPr>
+        <p:spPr/>
+        <p:txBody>
+          <a:bodyPr/>
+          <a:lstStyle/>
+          <a:p>
+            <a:fld id="{54753290-1D28-46C7-820A-D6711C0EF028}" type="slidenum">
+              <a:rPr lang="en-US" smtClean="0"/>
+              <a:t>8</a:t>
+            </a:fld>
+            <a:endParaRPr lang="en-US"/>
+          </a:p>
+        </p:txBody>
+      </p:sp>
+    </p:spTree>
+    <p:extLst>
+      <p:ext uri="{BB962C8B-B14F-4D97-AF65-F5344CB8AC3E}">
+        <p14:creationId xmlns:p14="http://schemas.microsoft.com/office/powerpoint/2010/main" val="2568159035"/>
+      </p:ext>
+    </p:extLst>
+  </p:cSld>
+  <p:clrMapOvr>
+    <a:masterClrMapping/>
+  </p:clrMapOvr>
+</p:notes>
 </file>
 
 <file path=ppt/slideLayouts/slideLayout1.xml><?xml version="1.0" encoding="utf-8"?>
@@ -601,7 +1099,7 @@
           <a:p>
             <a:fld id="{EA0C0817-A112-4847-8014-A94B7D2A4EA3}" type="datetime1">
               <a:rPr lang="en-US" smtClean="0"/>
-              <a:t>8/27/2021</a:t>
+              <a:t>8/28/2021</a:t>
             </a:fld>
             <a:endParaRPr lang="en-US" dirty="0"/>
           </a:p>
@@ -803,7 +1301,7 @@
           <a:p>
             <a:fld id="{7332B432-ACDA-4023-A761-2BAB76577B62}" type="datetime1">
               <a:rPr lang="en-US" smtClean="0"/>
-              <a:t>8/27/2021</a:t>
+              <a:t>8/28/2021</a:t>
             </a:fld>
             <a:endParaRPr lang="en-US" dirty="0"/>
           </a:p>
@@ -1402,7 +1900,7 @@
           <a:p>
             <a:fld id="{D9C646AA-F36E-4540-911D-FFFC0A0EF24A}" type="datetime1">
               <a:rPr lang="en-US" smtClean="0"/>
-              <a:t>8/27/2021</a:t>
+              <a:t>8/28/2021</a:t>
             </a:fld>
             <a:endParaRPr lang="en-US" dirty="0"/>
           </a:p>
@@ -1722,7 +2220,7 @@
           <a:p>
             <a:fld id="{69186D26-FA5F-4637-B602-B7C2DC34CFD4}" type="datetime1">
               <a:rPr lang="en-US" smtClean="0"/>
-              <a:t>8/27/2021</a:t>
+              <a:t>8/28/2021</a:t>
             </a:fld>
             <a:endParaRPr lang="en-US" dirty="0"/>
           </a:p>
@@ -2159,7 +2657,7 @@
           <a:p>
             <a:fld id="{8A7F15D8-96D1-4781-BC50-CA8A088B2FE4}" type="datetime1">
               <a:rPr lang="en-US" smtClean="0"/>
-              <a:t>8/27/2021</a:t>
+              <a:t>8/28/2021</a:t>
             </a:fld>
             <a:endParaRPr lang="en-US" dirty="0"/>
           </a:p>
@@ -2277,7 +2775,7 @@
           <a:p>
             <a:fld id="{F9A96C99-B8F8-4528-BD05-0E16E943DC09}" type="datetime1">
               <a:rPr lang="en-US" smtClean="0"/>
-              <a:t>8/27/2021</a:t>
+              <a:t>8/28/2021</a:t>
             </a:fld>
             <a:endParaRPr lang="en-US" dirty="0"/>
           </a:p>
@@ -2372,7 +2870,7 @@
           <a:p>
             <a:fld id="{03636942-C211-4B28-8DBD-C953E00AF71B}" type="datetime1">
               <a:rPr lang="en-US" smtClean="0"/>
-              <a:t>8/27/2021</a:t>
+              <a:t>8/28/2021</a:t>
             </a:fld>
             <a:endParaRPr lang="en-US" dirty="0"/>
           </a:p>
@@ -2789,7 +3287,7 @@
           <a:p>
             <a:fld id="{7E8D12A6-918A-48BD-8CB9-CA713993B0EA}" type="datetime1">
               <a:rPr lang="en-US" smtClean="0"/>
-              <a:t>8/27/2021</a:t>
+              <a:t>8/28/2021</a:t>
             </a:fld>
             <a:endParaRPr lang="en-US" dirty="0"/>
           </a:p>
@@ -3051,7 +3549,7 @@
             <a:fld id="{E778CE86-875F-4587-BCF6-FA054AFC0D53}" type="datetime1">
               <a:rPr lang="en-US" smtClean="0"/>
               <a:pPr/>
-              <a:t>8/27/2021</a:t>
+              <a:t>8/28/2021</a:t>
             </a:fld>
             <a:endParaRPr lang="en-US" dirty="0"/>
           </a:p>
@@ -3567,7 +4065,7 @@
           <a:p>
             <a:fld id="{F6FA2B21-3FCD-4721-B95C-427943F61125}" type="datetime1">
               <a:rPr lang="en-US" smtClean="0"/>
-              <a:t>8/27/2021</a:t>
+              <a:t>8/28/2021</a:t>
             </a:fld>
             <a:endParaRPr lang="en-US" dirty="0"/>
           </a:p>
@@ -4509,7 +5007,7 @@
             </a:pPr>
             <a:r>
               <a:rPr lang="en-US" sz="2000" dirty="0"/>
-              <a:t>Have a STL file</a:t>
+              <a:t>Have a STL-file</a:t>
             </a:r>
           </a:p>
           <a:p>
@@ -4531,7 +5029,15 @@
             </a:pPr>
             <a:r>
               <a:rPr lang="en-US" sz="2000" dirty="0"/>
-              <a:t>Create HD-Pictures with the help of the </a:t>
+              <a:t>Create HD-Pictures (.</a:t>
+            </a:r>
+            <a:r>
+              <a:rPr lang="en-US" sz="2000" dirty="0" err="1"/>
+              <a:t>png</a:t>
+            </a:r>
+            <a:r>
+              <a:rPr lang="en-US" sz="2000" dirty="0"/>
+              <a:t>) with the help of the </a:t>
             </a:r>
             <a:r>
               <a:rPr lang="en-US" sz="2000" dirty="0" err="1"/>
@@ -4548,7 +5054,7 @@
             </a:pPr>
             <a:r>
               <a:rPr lang="en-US" sz="2000" dirty="0"/>
-              <a:t>Segment the HD pictures into smaller picture that can be used as input for the NN</a:t>
+              <a:t>Segment the HD pictures into smaller pictures that can be used as input for the NN (solving problem 1)</a:t>
             </a:r>
           </a:p>
           <a:p>
@@ -4557,7 +5063,7 @@
             </a:pPr>
             <a:r>
               <a:rPr lang="en-US" sz="2000" dirty="0"/>
-              <a:t>Run the Recognition and save the Data (Position &amp; labels)</a:t>
+              <a:t>Run the Recognition and save the data (Position &amp; labels)</a:t>
             </a:r>
           </a:p>
           <a:p>
@@ -4566,7 +5072,7 @@
             </a:pPr>
             <a:r>
               <a:rPr lang="en-US" sz="2000" dirty="0"/>
-              <a:t>Turn the STL file so the that slopes are now orthogonal to the viewing position</a:t>
+              <a:t>Turn the STL-file so the that slopes are now orthogonal to the viewing position</a:t>
             </a:r>
           </a:p>
           <a:p>
@@ -4851,7 +5357,7 @@
           <a:p>
             <a:r>
               <a:rPr lang="en-US" dirty="0"/>
-              <a:t>STL-STL file is converted to voxels that are positioned in 3D space </a:t>
+              <a:t>STL-file is converted to voxels that are positioned in 3D space </a:t>
             </a:r>
           </a:p>
           <a:p>
@@ -5598,35 +6104,6 @@
           </a:p>
         </p:txBody>
       </p:sp>
-      <p:pic>
-        <p:nvPicPr>
-          <p:cNvPr id="5" name="Content Placeholder 4" descr="A picture containing icon&#10;&#10;Description automatically generated">
-            <a:extLst>
-              <a:ext uri="{FF2B5EF4-FFF2-40B4-BE49-F238E27FC236}">
-                <a16:creationId xmlns:a16="http://schemas.microsoft.com/office/drawing/2014/main" id="{1473B86A-5340-491B-8399-07E6176122D0}"/>
-              </a:ext>
-            </a:extLst>
-          </p:cNvPr>
-          <p:cNvPicPr>
-            <a:picLocks noGrp="1" noChangeAspect="1"/>
-          </p:cNvPicPr>
-          <p:nvPr>
-            <p:ph idx="1"/>
-          </p:nvPr>
-        </p:nvPicPr>
-        <p:blipFill>
-          <a:blip r:embed="rId2"/>
-          <a:stretch>
-            <a:fillRect/>
-          </a:stretch>
-        </p:blipFill>
-        <p:spPr>
-          <a:xfrm>
-            <a:off x="847961" y="2479929"/>
-            <a:ext cx="2992342" cy="1898142"/>
-          </a:xfrm>
-        </p:spPr>
-      </p:pic>
       <p:sp>
         <p:nvSpPr>
           <p:cNvPr id="7" name="TextBox 6">
@@ -5761,6 +6238,71 @@
           <p:nvPr/>
         </p:nvPicPr>
         <p:blipFill>
+          <a:blip r:embed="rId2"/>
+          <a:stretch>
+            <a:fillRect/>
+          </a:stretch>
+        </p:blipFill>
+        <p:spPr>
+          <a:xfrm>
+            <a:off x="6786693" y="2140224"/>
+            <a:ext cx="4843240" cy="3301976"/>
+          </a:xfrm>
+          <a:prstGeom prst="rect">
+            <a:avLst/>
+          </a:prstGeom>
+        </p:spPr>
+      </p:pic>
+      <p:sp>
+        <p:nvSpPr>
+          <p:cNvPr id="12" name="TextBox 11">
+            <a:extLst>
+              <a:ext uri="{FF2B5EF4-FFF2-40B4-BE49-F238E27FC236}">
+                <a16:creationId xmlns:a16="http://schemas.microsoft.com/office/drawing/2014/main" id="{FD4E368C-431A-4286-A5F9-436390FD1E48}"/>
+              </a:ext>
+            </a:extLst>
+          </p:cNvPr>
+          <p:cNvSpPr txBox="1"/>
+          <p:nvPr/>
+        </p:nvSpPr>
+        <p:spPr>
+          <a:xfrm>
+            <a:off x="476990" y="5604424"/>
+            <a:ext cx="8524397" cy="646331"/>
+          </a:xfrm>
+          <a:prstGeom prst="rect">
+            <a:avLst/>
+          </a:prstGeom>
+          <a:noFill/>
+        </p:spPr>
+        <p:txBody>
+          <a:bodyPr wrap="square" rtlCol="0">
+            <a:spAutoFit/>
+          </a:bodyPr>
+          <a:lstStyle/>
+          <a:p>
+            <a:r>
+              <a:rPr lang="en-US" dirty="0"/>
+              <a:t>The segmentation algorithm divides each HD picture into squares with overlap and resizes them if necessary to 64pix * 64pix </a:t>
+            </a:r>
+          </a:p>
+        </p:txBody>
+      </p:sp>
+      <p:pic>
+        <p:nvPicPr>
+          <p:cNvPr id="13" name="Picture 12" descr="A picture containing icon&#10;&#10;Description automatically generated">
+            <a:extLst>
+              <a:ext uri="{FF2B5EF4-FFF2-40B4-BE49-F238E27FC236}">
+                <a16:creationId xmlns:a16="http://schemas.microsoft.com/office/drawing/2014/main" id="{83FCD1E8-EAC1-4402-A235-0E74B58F8778}"/>
+              </a:ext>
+            </a:extLst>
+          </p:cNvPr>
+          <p:cNvPicPr>
+            <a:picLocks noChangeAspect="1"/>
+          </p:cNvPicPr>
+          <p:nvPr/>
+        </p:nvPicPr>
+        <p:blipFill>
           <a:blip r:embed="rId3"/>
           <a:stretch>
             <a:fillRect/>
@@ -5768,49 +6310,14 @@
         </p:blipFill>
         <p:spPr>
           <a:xfrm>
-            <a:off x="6786693" y="2140224"/>
-            <a:ext cx="4843240" cy="3301976"/>
+            <a:off x="453347" y="2176478"/>
+            <a:ext cx="3665056" cy="2324866"/>
           </a:xfrm>
           <a:prstGeom prst="rect">
             <a:avLst/>
           </a:prstGeom>
         </p:spPr>
       </p:pic>
-      <p:sp>
-        <p:nvSpPr>
-          <p:cNvPr id="12" name="TextBox 11">
-            <a:extLst>
-              <a:ext uri="{FF2B5EF4-FFF2-40B4-BE49-F238E27FC236}">
-                <a16:creationId xmlns:a16="http://schemas.microsoft.com/office/drawing/2014/main" id="{FD4E368C-431A-4286-A5F9-436390FD1E48}"/>
-              </a:ext>
-            </a:extLst>
-          </p:cNvPr>
-          <p:cNvSpPr txBox="1"/>
-          <p:nvPr/>
-        </p:nvSpPr>
-        <p:spPr>
-          <a:xfrm>
-            <a:off x="476990" y="5604424"/>
-            <a:ext cx="7282827" cy="646331"/>
-          </a:xfrm>
-          <a:prstGeom prst="rect">
-            <a:avLst/>
-          </a:prstGeom>
-          <a:noFill/>
-        </p:spPr>
-        <p:txBody>
-          <a:bodyPr wrap="square" rtlCol="0">
-            <a:spAutoFit/>
-          </a:bodyPr>
-          <a:lstStyle/>
-          <a:p>
-            <a:r>
-              <a:rPr lang="en-US" dirty="0"/>
-              <a:t>The segmentation algorithm divides each HD picture into squares with overlap and resizes them to 64pix * 64pix </a:t>
-            </a:r>
-          </a:p>
-        </p:txBody>
-      </p:sp>
     </p:spTree>
     <p:extLst>
       <p:ext uri="{BB962C8B-B14F-4D97-AF65-F5344CB8AC3E}">
@@ -6212,7 +6719,7 @@
           <a:p>
             <a:r>
               <a:rPr lang="en-US" sz="2800" dirty="0"/>
-              <a:t>6) Turn the STL file so the that slopes are now orthogonal to the viewing position – Problem </a:t>
+              <a:t>6) Turn the STL file so the that slopes are now orthogonal to the viewing position – Problem 2 </a:t>
             </a:r>
           </a:p>
         </p:txBody>
@@ -7589,7 +8096,7 @@
           <a:p>
             <a:r>
               <a:rPr lang="en-US" dirty="0"/>
-              <a:t>State of the art</a:t>
+              <a:t>State of the art / Based on </a:t>
             </a:r>
           </a:p>
         </p:txBody>
@@ -7732,7 +8239,7 @@
         <p:spPr/>
         <p:txBody>
           <a:bodyPr>
-            <a:normAutofit/>
+            <a:normAutofit lnSpcReduction="10000"/>
           </a:bodyPr>
           <a:lstStyle/>
           <a:p>
@@ -7764,7 +8271,23 @@
             </a:r>
             <a:r>
               <a:rPr lang="en-US" sz="1000" dirty="0"/>
-              <a:t>(https://github.com/QUVA-Lab/e2cnn)</a:t>
+              <a:t>(</a:t>
+            </a:r>
+            <a:r>
+              <a:rPr lang="en-US" sz="1000" dirty="0">
+                <a:hlinkClick r:id="rId2"/>
+              </a:rPr>
+              <a:t>https://github.com/QUVA-Lab/e2cnn</a:t>
+            </a:r>
+            <a:r>
+              <a:rPr lang="en-US" sz="1000" dirty="0"/>
+              <a:t>)</a:t>
+            </a:r>
+          </a:p>
+          <a:p>
+            <a:r>
+              <a:rPr lang="en-US" sz="1800" dirty="0"/>
+              <a:t>Solve problem 3 by just turning the raw picture till feature is occupying smallest BB</a:t>
             </a:r>
           </a:p>
           <a:p>
@@ -7780,13 +8303,13 @@
           <a:p>
             <a:r>
               <a:rPr lang="en-US" sz="1800" dirty="0"/>
-              <a:t>Add more features (Automatic data-set creation)</a:t>
+              <a:t>Add more features for recognition (Automatic data-set creation)</a:t>
             </a:r>
           </a:p>
           <a:p>
             <a:r>
               <a:rPr lang="en-US" sz="1800" dirty="0"/>
-              <a:t>Increase NN resolution from 64 to 128</a:t>
+              <a:t>Increase NN resolution from 64 to 128 (if necessary)</a:t>
             </a:r>
           </a:p>
           <a:p>
@@ -8421,18 +8944,17 @@
           <a:lstStyle/>
           <a:p>
             <a:r>
-              <a:rPr lang="en-US"/>
+              <a:rPr lang="en-US" dirty="0"/>
               <a:t>At least </a:t>
             </a:r>
             <a:r>
-              <a:rPr lang="en-US" u="sng"/>
+              <a:rPr lang="en-US" u="sng" dirty="0"/>
               <a:t>3 big Problems </a:t>
             </a:r>
             <a:r>
-              <a:rPr lang="en-US"/>
+              <a:rPr lang="en-US" dirty="0"/>
               <a:t>with the current State of the art</a:t>
             </a:r>
-            <a:endParaRPr lang="en-US" dirty="0"/>
           </a:p>
         </p:txBody>
       </p:sp>
@@ -8650,7 +9172,7 @@
           </p:nvPr>
         </p:nvPicPr>
         <p:blipFill>
-          <a:blip r:embed="rId2"/>
+          <a:blip r:embed="rId3"/>
           <a:stretch>
             <a:fillRect/>
           </a:stretch>
@@ -8712,7 +9234,7 @@
           <p:nvPr/>
         </p:nvPicPr>
         <p:blipFill>
-          <a:blip r:embed="rId3"/>
+          <a:blip r:embed="rId4"/>
           <a:stretch>
             <a:fillRect/>
           </a:stretch>
@@ -9357,16 +9879,302 @@
 </a:theme>
 </file>
 
-<file path=customXml/item1.xml><?xml version="1.0" encoding="utf-8"?>
-<?mso-contentType ?>
-<FormTemplates xmlns="http://schemas.microsoft.com/sharepoint/v3/contenttype/forms">
-  <Display>DocumentLibraryForm</Display>
-  <Edit>DocumentLibraryForm</Edit>
-  <New>DocumentLibraryForm</New>
-</FormTemplates>
+<file path=ppt/theme/theme2.xml><?xml version="1.0" encoding="utf-8"?>
+<a:theme xmlns:a="http://schemas.openxmlformats.org/drawingml/2006/main" name="Office Theme">
+  <a:themeElements>
+    <a:clrScheme name="Office">
+      <a:dk1>
+        <a:sysClr val="windowText" lastClr="000000"/>
+      </a:dk1>
+      <a:lt1>
+        <a:sysClr val="window" lastClr="FFFFFF"/>
+      </a:lt1>
+      <a:dk2>
+        <a:srgbClr val="44546A"/>
+      </a:dk2>
+      <a:lt2>
+        <a:srgbClr val="E7E6E6"/>
+      </a:lt2>
+      <a:accent1>
+        <a:srgbClr val="4472C4"/>
+      </a:accent1>
+      <a:accent2>
+        <a:srgbClr val="ED7D31"/>
+      </a:accent2>
+      <a:accent3>
+        <a:srgbClr val="A5A5A5"/>
+      </a:accent3>
+      <a:accent4>
+        <a:srgbClr val="FFC000"/>
+      </a:accent4>
+      <a:accent5>
+        <a:srgbClr val="5B9BD5"/>
+      </a:accent5>
+      <a:accent6>
+        <a:srgbClr val="70AD47"/>
+      </a:accent6>
+      <a:hlink>
+        <a:srgbClr val="0563C1"/>
+      </a:hlink>
+      <a:folHlink>
+        <a:srgbClr val="954F72"/>
+      </a:folHlink>
+    </a:clrScheme>
+    <a:fontScheme name="Office">
+      <a:majorFont>
+        <a:latin typeface="Calibri Light" panose="020F0302020204030204"/>
+        <a:ea typeface=""/>
+        <a:cs typeface=""/>
+        <a:font script="Jpan" typeface="游ゴシック Light"/>
+        <a:font script="Hang" typeface="맑은 고딕"/>
+        <a:font script="Hans" typeface="等线 Light"/>
+        <a:font script="Hant" typeface="新細明體"/>
+        <a:font script="Arab" typeface="Times New Roman"/>
+        <a:font script="Hebr" typeface="Times New Roman"/>
+        <a:font script="Thai" typeface="Angsana New"/>
+        <a:font script="Ethi" typeface="Nyala"/>
+        <a:font script="Beng" typeface="Vrinda"/>
+        <a:font script="Gujr" typeface="Shruti"/>
+        <a:font script="Khmr" typeface="MoolBoran"/>
+        <a:font script="Knda" typeface="Tunga"/>
+        <a:font script="Guru" typeface="Raavi"/>
+        <a:font script="Cans" typeface="Euphemia"/>
+        <a:font script="Cher" typeface="Plantagenet Cherokee"/>
+        <a:font script="Yiii" typeface="Microsoft Yi Baiti"/>
+        <a:font script="Tibt" typeface="Microsoft Himalaya"/>
+        <a:font script="Thaa" typeface="MV Boli"/>
+        <a:font script="Deva" typeface="Mangal"/>
+        <a:font script="Telu" typeface="Gautami"/>
+        <a:font script="Taml" typeface="Latha"/>
+        <a:font script="Syrc" typeface="Estrangelo Edessa"/>
+        <a:font script="Orya" typeface="Kalinga"/>
+        <a:font script="Mlym" typeface="Kartika"/>
+        <a:font script="Laoo" typeface="DokChampa"/>
+        <a:font script="Sinh" typeface="Iskoola Pota"/>
+        <a:font script="Mong" typeface="Mongolian Baiti"/>
+        <a:font script="Viet" typeface="Times New Roman"/>
+        <a:font script="Uigh" typeface="Microsoft Uighur"/>
+        <a:font script="Geor" typeface="Sylfaen"/>
+        <a:font script="Armn" typeface="Arial"/>
+        <a:font script="Bugi" typeface="Leelawadee UI"/>
+        <a:font script="Bopo" typeface="Microsoft JhengHei"/>
+        <a:font script="Java" typeface="Javanese Text"/>
+        <a:font script="Lisu" typeface="Segoe UI"/>
+        <a:font script="Mymr" typeface="Myanmar Text"/>
+        <a:font script="Nkoo" typeface="Ebrima"/>
+        <a:font script="Olck" typeface="Nirmala UI"/>
+        <a:font script="Osma" typeface="Ebrima"/>
+        <a:font script="Phag" typeface="Phagspa"/>
+        <a:font script="Syrn" typeface="Estrangelo Edessa"/>
+        <a:font script="Syrj" typeface="Estrangelo Edessa"/>
+        <a:font script="Syre" typeface="Estrangelo Edessa"/>
+        <a:font script="Sora" typeface="Nirmala UI"/>
+        <a:font script="Tale" typeface="Microsoft Tai Le"/>
+        <a:font script="Talu" typeface="Microsoft New Tai Lue"/>
+        <a:font script="Tfng" typeface="Ebrima"/>
+      </a:majorFont>
+      <a:minorFont>
+        <a:latin typeface="Calibri" panose="020F0502020204030204"/>
+        <a:ea typeface=""/>
+        <a:cs typeface=""/>
+        <a:font script="Jpan" typeface="游ゴシック"/>
+        <a:font script="Hang" typeface="맑은 고딕"/>
+        <a:font script="Hans" typeface="等线"/>
+        <a:font script="Hant" typeface="新細明體"/>
+        <a:font script="Arab" typeface="Arial"/>
+        <a:font script="Hebr" typeface="Arial"/>
+        <a:font script="Thai" typeface="Cordia New"/>
+        <a:font script="Ethi" typeface="Nyala"/>
+        <a:font script="Beng" typeface="Vrinda"/>
+        <a:font script="Gujr" typeface="Shruti"/>
+        <a:font script="Khmr" typeface="DaunPenh"/>
+        <a:font script="Knda" typeface="Tunga"/>
+        <a:font script="Guru" typeface="Raavi"/>
+        <a:font script="Cans" typeface="Euphemia"/>
+        <a:font script="Cher" typeface="Plantagenet Cherokee"/>
+        <a:font script="Yiii" typeface="Microsoft Yi Baiti"/>
+        <a:font script="Tibt" typeface="Microsoft Himalaya"/>
+        <a:font script="Thaa" typeface="MV Boli"/>
+        <a:font script="Deva" typeface="Mangal"/>
+        <a:font script="Telu" typeface="Gautami"/>
+        <a:font script="Taml" typeface="Latha"/>
+        <a:font script="Syrc" typeface="Estrangelo Edessa"/>
+        <a:font script="Orya" typeface="Kalinga"/>
+        <a:font script="Mlym" typeface="Kartika"/>
+        <a:font script="Laoo" typeface="DokChampa"/>
+        <a:font script="Sinh" typeface="Iskoola Pota"/>
+        <a:font script="Mong" typeface="Mongolian Baiti"/>
+        <a:font script="Viet" typeface="Arial"/>
+        <a:font script="Uigh" typeface="Microsoft Uighur"/>
+        <a:font script="Geor" typeface="Sylfaen"/>
+        <a:font script="Armn" typeface="Arial"/>
+        <a:font script="Bugi" typeface="Leelawadee UI"/>
+        <a:font script="Bopo" typeface="Microsoft JhengHei"/>
+        <a:font script="Java" typeface="Javanese Text"/>
+        <a:font script="Lisu" typeface="Segoe UI"/>
+        <a:font script="Mymr" typeface="Myanmar Text"/>
+        <a:font script="Nkoo" typeface="Ebrima"/>
+        <a:font script="Olck" typeface="Nirmala UI"/>
+        <a:font script="Osma" typeface="Ebrima"/>
+        <a:font script="Phag" typeface="Phagspa"/>
+        <a:font script="Syrn" typeface="Estrangelo Edessa"/>
+        <a:font script="Syrj" typeface="Estrangelo Edessa"/>
+        <a:font script="Syre" typeface="Estrangelo Edessa"/>
+        <a:font script="Sora" typeface="Nirmala UI"/>
+        <a:font script="Tale" typeface="Microsoft Tai Le"/>
+        <a:font script="Talu" typeface="Microsoft New Tai Lue"/>
+        <a:font script="Tfng" typeface="Ebrima"/>
+      </a:minorFont>
+    </a:fontScheme>
+    <a:fmtScheme name="Office">
+      <a:fillStyleLst>
+        <a:solidFill>
+          <a:schemeClr val="phClr"/>
+        </a:solidFill>
+        <a:gradFill rotWithShape="1">
+          <a:gsLst>
+            <a:gs pos="0">
+              <a:schemeClr val="phClr">
+                <a:lumMod val="110000"/>
+                <a:satMod val="105000"/>
+                <a:tint val="67000"/>
+              </a:schemeClr>
+            </a:gs>
+            <a:gs pos="50000">
+              <a:schemeClr val="phClr">
+                <a:lumMod val="105000"/>
+                <a:satMod val="103000"/>
+                <a:tint val="73000"/>
+              </a:schemeClr>
+            </a:gs>
+            <a:gs pos="100000">
+              <a:schemeClr val="phClr">
+                <a:lumMod val="105000"/>
+                <a:satMod val="109000"/>
+                <a:tint val="81000"/>
+              </a:schemeClr>
+            </a:gs>
+          </a:gsLst>
+          <a:lin ang="5400000" scaled="0"/>
+        </a:gradFill>
+        <a:gradFill rotWithShape="1">
+          <a:gsLst>
+            <a:gs pos="0">
+              <a:schemeClr val="phClr">
+                <a:satMod val="103000"/>
+                <a:lumMod val="102000"/>
+                <a:tint val="94000"/>
+              </a:schemeClr>
+            </a:gs>
+            <a:gs pos="50000">
+              <a:schemeClr val="phClr">
+                <a:satMod val="110000"/>
+                <a:lumMod val="100000"/>
+                <a:shade val="100000"/>
+              </a:schemeClr>
+            </a:gs>
+            <a:gs pos="100000">
+              <a:schemeClr val="phClr">
+                <a:lumMod val="99000"/>
+                <a:satMod val="120000"/>
+                <a:shade val="78000"/>
+              </a:schemeClr>
+            </a:gs>
+          </a:gsLst>
+          <a:lin ang="5400000" scaled="0"/>
+        </a:gradFill>
+      </a:fillStyleLst>
+      <a:lnStyleLst>
+        <a:ln w="6350" cap="flat" cmpd="sng" algn="ctr">
+          <a:solidFill>
+            <a:schemeClr val="phClr"/>
+          </a:solidFill>
+          <a:prstDash val="solid"/>
+          <a:miter lim="800000"/>
+        </a:ln>
+        <a:ln w="12700" cap="flat" cmpd="sng" algn="ctr">
+          <a:solidFill>
+            <a:schemeClr val="phClr"/>
+          </a:solidFill>
+          <a:prstDash val="solid"/>
+          <a:miter lim="800000"/>
+        </a:ln>
+        <a:ln w="19050" cap="flat" cmpd="sng" algn="ctr">
+          <a:solidFill>
+            <a:schemeClr val="phClr"/>
+          </a:solidFill>
+          <a:prstDash val="solid"/>
+          <a:miter lim="800000"/>
+        </a:ln>
+      </a:lnStyleLst>
+      <a:effectStyleLst>
+        <a:effectStyle>
+          <a:effectLst/>
+        </a:effectStyle>
+        <a:effectStyle>
+          <a:effectLst/>
+        </a:effectStyle>
+        <a:effectStyle>
+          <a:effectLst>
+            <a:outerShdw blurRad="57150" dist="19050" dir="5400000" algn="ctr" rotWithShape="0">
+              <a:srgbClr val="000000">
+                <a:alpha val="63000"/>
+              </a:srgbClr>
+            </a:outerShdw>
+          </a:effectLst>
+        </a:effectStyle>
+      </a:effectStyleLst>
+      <a:bgFillStyleLst>
+        <a:solidFill>
+          <a:schemeClr val="phClr"/>
+        </a:solidFill>
+        <a:solidFill>
+          <a:schemeClr val="phClr">
+            <a:tint val="95000"/>
+            <a:satMod val="170000"/>
+          </a:schemeClr>
+        </a:solidFill>
+        <a:gradFill rotWithShape="1">
+          <a:gsLst>
+            <a:gs pos="0">
+              <a:schemeClr val="phClr">
+                <a:tint val="93000"/>
+                <a:satMod val="150000"/>
+                <a:shade val="98000"/>
+                <a:lumMod val="102000"/>
+              </a:schemeClr>
+            </a:gs>
+            <a:gs pos="50000">
+              <a:schemeClr val="phClr">
+                <a:tint val="98000"/>
+                <a:satMod val="130000"/>
+                <a:shade val="90000"/>
+                <a:lumMod val="103000"/>
+              </a:schemeClr>
+            </a:gs>
+            <a:gs pos="100000">
+              <a:schemeClr val="phClr">
+                <a:shade val="63000"/>
+                <a:satMod val="120000"/>
+              </a:schemeClr>
+            </a:gs>
+          </a:gsLst>
+          <a:lin ang="5400000" scaled="0"/>
+        </a:gradFill>
+      </a:bgFillStyleLst>
+    </a:fmtScheme>
+  </a:themeElements>
+  <a:objectDefaults/>
+  <a:extraClrSchemeLst/>
+  <a:extLst>
+    <a:ext uri="{05A4C25C-085E-4340-85A3-A5531E510DB2}">
+      <thm15:themeFamily xmlns:thm15="http://schemas.microsoft.com/office/thememl/2012/main" name="Office Theme" id="{62F939B6-93AF-4DB8-9C6B-D6C7DFDC589F}" vid="{4A3C46E8-61CC-4603-A589-7422A47A8E4A}"/>
+    </a:ext>
+  </a:extLst>
+</a:theme>
 </file>
 
-<file path=customXml/item2.xml><?xml version="1.0" encoding="utf-8"?>
+<file path=customXml/item1.xml><?xml version="1.0" encoding="utf-8"?>
 <ct:contentTypeSchema xmlns:ct="http://schemas.microsoft.com/office/2006/metadata/contentType" xmlns:ma="http://schemas.microsoft.com/office/2006/metadata/properties/metaAttributes" ct:_="" ma:_="" ma:contentTypeName="Document" ma:contentTypeID="0x01010079F111ED35F8CC479449609E8A0923A6" ma:contentTypeVersion="12" ma:contentTypeDescription="Create a new document." ma:contentTypeScope="" ma:versionID="a410dd7f93c95333ffa1b60ed6adedd1">
   <xsd:schema xmlns:xsd="http://www.w3.org/2001/XMLSchema" xmlns:xs="http://www.w3.org/2001/XMLSchema" xmlns:p="http://schemas.microsoft.com/office/2006/metadata/properties" xmlns:ns2="71af3243-3dd4-4a8d-8c0d-dd76da1f02a5" xmlns:ns3="16c05727-aa75-4e4a-9b5f-8a80a1165891" targetNamespace="http://schemas.microsoft.com/office/2006/metadata/properties" ma:root="true" ma:fieldsID="a936d9baba76aa3866493feff160faab" ns2:_="" ns3:_="">
     <xsd:import namespace="71af3243-3dd4-4a8d-8c0d-dd76da1f02a5"/>
@@ -9587,6 +10395,15 @@
 </ct:contentTypeSchema>
 </file>
 
+<file path=customXml/item2.xml><?xml version="1.0" encoding="utf-8"?>
+<?mso-contentType ?>
+<FormTemplates xmlns="http://schemas.microsoft.com/sharepoint/v3/contenttype/forms">
+  <Display>DocumentLibraryForm</Display>
+  <Edit>DocumentLibraryForm</Edit>
+  <New>DocumentLibraryForm</New>
+</FormTemplates>
+</file>
+
 <file path=customXml/item3.xml><?xml version="1.0" encoding="utf-8"?>
 <p:properties xmlns:p="http://schemas.microsoft.com/office/2006/metadata/properties" xmlns:xsi="http://www.w3.org/2001/XMLSchema-instance" xmlns:pc="http://schemas.microsoft.com/office/infopath/2007/PartnerControls">
   <documentManagement>
@@ -9597,14 +10414,6 @@
 </file>
 
 <file path=customXml/itemProps1.xml><?xml version="1.0" encoding="utf-8"?>
-<ds:datastoreItem xmlns:ds="http://schemas.openxmlformats.org/officeDocument/2006/customXml" ds:itemID="{CDB58277-F8DF-46FF-84EC-EF41B835E69F}">
-  <ds:schemaRefs>
-    <ds:schemaRef ds:uri="http://schemas.microsoft.com/sharepoint/v3/contenttype/forms"/>
-  </ds:schemaRefs>
-</ds:datastoreItem>
-</file>
-
-<file path=customXml/itemProps2.xml><?xml version="1.0" encoding="utf-8"?>
 <ds:datastoreItem xmlns:ds="http://schemas.openxmlformats.org/officeDocument/2006/customXml" ds:itemID="{2D276E62-80A3-44DD-9BCC-97ED2B99B57F}">
   <ds:schemaRefs>
     <ds:schemaRef ds:uri="http://schemas.microsoft.com/office/2006/metadata/contentType"/>
@@ -9623,6 +10432,14 @@
 </ds:datastoreItem>
 </file>
 
+<file path=customXml/itemProps2.xml><?xml version="1.0" encoding="utf-8"?>
+<ds:datastoreItem xmlns:ds="http://schemas.openxmlformats.org/officeDocument/2006/customXml" ds:itemID="{CDB58277-F8DF-46FF-84EC-EF41B835E69F}">
+  <ds:schemaRefs>
+    <ds:schemaRef ds:uri="http://schemas.microsoft.com/sharepoint/v3/contenttype/forms"/>
+  </ds:schemaRefs>
+</ds:datastoreItem>
+</file>
+
 <file path=customXml/itemProps3.xml><?xml version="1.0" encoding="utf-8"?>
 <ds:datastoreItem xmlns:ds="http://schemas.openxmlformats.org/officeDocument/2006/customXml" ds:itemID="{137651BA-F45C-4845-9AB3-E0A65B39F5E1}">
   <ds:schemaRefs>

--- a/SSD Feature Detection Selling points.pptx
+++ b/SSD Feature Detection Selling points.pptx
@@ -5,7 +5,7 @@
     <p:sldMasterId id="2147483673" r:id="rId4"/>
   </p:sldMasterIdLst>
   <p:notesMasterIdLst>
-    <p:notesMasterId r:id="rId26"/>
+    <p:notesMasterId r:id="rId27"/>
   </p:notesMasterIdLst>
   <p:sldIdLst>
     <p:sldId id="257" r:id="rId5"/>
@@ -29,6 +29,7 @@
     <p:sldId id="276" r:id="rId23"/>
     <p:sldId id="268" r:id="rId24"/>
     <p:sldId id="277" r:id="rId25"/>
+    <p:sldId id="278" r:id="rId26"/>
   </p:sldIdLst>
   <p:sldSz cx="12192000" cy="6858000"/>
   <p:notesSz cx="6858000" cy="9144000"/>
@@ -161,6 +162,7 @@
             <p14:sldId id="276"/>
             <p14:sldId id="268"/>
             <p14:sldId id="277"/>
+            <p14:sldId id="278"/>
           </p14:sldIdLst>
         </p14:section>
       </p14:sectionLst>
@@ -257,7 +259,7 @@
           <a:p>
             <a:fld id="{02675569-5933-4727-A940-3926F137A439}" type="datetimeFigureOut">
               <a:rPr lang="en-US" smtClean="0"/>
-              <a:t>8/28/2021</a:t>
+              <a:t>9/28/2021</a:t>
             </a:fld>
             <a:endParaRPr lang="en-US"/>
           </a:p>
@@ -1099,7 +1101,7 @@
           <a:p>
             <a:fld id="{EA0C0817-A112-4847-8014-A94B7D2A4EA3}" type="datetime1">
               <a:rPr lang="en-US" smtClean="0"/>
-              <a:t>8/28/2021</a:t>
+              <a:t>9/28/2021</a:t>
             </a:fld>
             <a:endParaRPr lang="en-US" dirty="0"/>
           </a:p>
@@ -1301,7 +1303,7 @@
           <a:p>
             <a:fld id="{7332B432-ACDA-4023-A761-2BAB76577B62}" type="datetime1">
               <a:rPr lang="en-US" smtClean="0"/>
-              <a:t>8/28/2021</a:t>
+              <a:t>9/28/2021</a:t>
             </a:fld>
             <a:endParaRPr lang="en-US" dirty="0"/>
           </a:p>
@@ -1900,7 +1902,7 @@
           <a:p>
             <a:fld id="{D9C646AA-F36E-4540-911D-FFFC0A0EF24A}" type="datetime1">
               <a:rPr lang="en-US" smtClean="0"/>
-              <a:t>8/28/2021</a:t>
+              <a:t>9/28/2021</a:t>
             </a:fld>
             <a:endParaRPr lang="en-US" dirty="0"/>
           </a:p>
@@ -2220,7 +2222,7 @@
           <a:p>
             <a:fld id="{69186D26-FA5F-4637-B602-B7C2DC34CFD4}" type="datetime1">
               <a:rPr lang="en-US" smtClean="0"/>
-              <a:t>8/28/2021</a:t>
+              <a:t>9/28/2021</a:t>
             </a:fld>
             <a:endParaRPr lang="en-US" dirty="0"/>
           </a:p>
@@ -2657,7 +2659,7 @@
           <a:p>
             <a:fld id="{8A7F15D8-96D1-4781-BC50-CA8A088B2FE4}" type="datetime1">
               <a:rPr lang="en-US" smtClean="0"/>
-              <a:t>8/28/2021</a:t>
+              <a:t>9/28/2021</a:t>
             </a:fld>
             <a:endParaRPr lang="en-US" dirty="0"/>
           </a:p>
@@ -2775,7 +2777,7 @@
           <a:p>
             <a:fld id="{F9A96C99-B8F8-4528-BD05-0E16E943DC09}" type="datetime1">
               <a:rPr lang="en-US" smtClean="0"/>
-              <a:t>8/28/2021</a:t>
+              <a:t>9/28/2021</a:t>
             </a:fld>
             <a:endParaRPr lang="en-US" dirty="0"/>
           </a:p>
@@ -2870,7 +2872,7 @@
           <a:p>
             <a:fld id="{03636942-C211-4B28-8DBD-C953E00AF71B}" type="datetime1">
               <a:rPr lang="en-US" smtClean="0"/>
-              <a:t>8/28/2021</a:t>
+              <a:t>9/28/2021</a:t>
             </a:fld>
             <a:endParaRPr lang="en-US" dirty="0"/>
           </a:p>
@@ -3287,7 +3289,7 @@
           <a:p>
             <a:fld id="{7E8D12A6-918A-48BD-8CB9-CA713993B0EA}" type="datetime1">
               <a:rPr lang="en-US" smtClean="0"/>
-              <a:t>8/28/2021</a:t>
+              <a:t>9/28/2021</a:t>
             </a:fld>
             <a:endParaRPr lang="en-US" dirty="0"/>
           </a:p>
@@ -3549,7 +3551,7 @@
             <a:fld id="{E778CE86-875F-4587-BCF6-FA054AFC0D53}" type="datetime1">
               <a:rPr lang="en-US" smtClean="0"/>
               <a:pPr/>
-              <a:t>8/28/2021</a:t>
+              <a:t>9/28/2021</a:t>
             </a:fld>
             <a:endParaRPr lang="en-US" dirty="0"/>
           </a:p>
@@ -4065,7 +4067,7 @@
           <a:p>
             <a:fld id="{F6FA2B21-3FCD-4721-B95C-427943F61125}" type="datetime1">
               <a:rPr lang="en-US" smtClean="0"/>
-              <a:t>8/28/2021</a:t>
+              <a:t>9/28/2021</a:t>
             </a:fld>
             <a:endParaRPr lang="en-US" dirty="0"/>
           </a:p>
@@ -8413,6 +8415,126 @@
     <p:extLst>
       <p:ext uri="{BB962C8B-B14F-4D97-AF65-F5344CB8AC3E}">
         <p14:creationId xmlns:p14="http://schemas.microsoft.com/office/powerpoint/2010/main" val="2881557596"/>
+      </p:ext>
+    </p:extLst>
+  </p:cSld>
+  <p:clrMapOvr>
+    <a:masterClrMapping/>
+  </p:clrMapOvr>
+</p:sld>
+</file>
+
+<file path=ppt/slides/slide22.xml><?xml version="1.0" encoding="utf-8"?>
+<p:sld xmlns:a="http://schemas.openxmlformats.org/drawingml/2006/main" xmlns:r="http://schemas.openxmlformats.org/officeDocument/2006/relationships" xmlns:p="http://schemas.openxmlformats.org/presentationml/2006/main">
+  <p:cSld>
+    <p:spTree>
+      <p:nvGrpSpPr>
+        <p:cNvPr id="1" name=""/>
+        <p:cNvGrpSpPr/>
+        <p:nvPr/>
+      </p:nvGrpSpPr>
+      <p:grpSpPr>
+        <a:xfrm>
+          <a:off x="0" y="0"/>
+          <a:ext cx="0" cy="0"/>
+          <a:chOff x="0" y="0"/>
+          <a:chExt cx="0" cy="0"/>
+        </a:xfrm>
+      </p:grpSpPr>
+      <p:sp>
+        <p:nvSpPr>
+          <p:cNvPr id="2" name="Title 1">
+            <a:extLst>
+              <a:ext uri="{FF2B5EF4-FFF2-40B4-BE49-F238E27FC236}">
+                <a16:creationId xmlns:a16="http://schemas.microsoft.com/office/drawing/2014/main" id="{765972BD-A68D-46B9-98B5-7C0554D1DCE0}"/>
+              </a:ext>
+            </a:extLst>
+          </p:cNvPr>
+          <p:cNvSpPr>
+            <a:spLocks noGrp="1"/>
+          </p:cNvSpPr>
+          <p:nvPr>
+            <p:ph type="title"/>
+          </p:nvPr>
+        </p:nvSpPr>
+        <p:spPr/>
+        <p:txBody>
+          <a:bodyPr/>
+          <a:lstStyle/>
+          <a:p>
+            <a:r>
+              <a:rPr lang="en-US" dirty="0"/>
+              <a:t>Problems</a:t>
+            </a:r>
+          </a:p>
+        </p:txBody>
+      </p:sp>
+      <p:sp>
+        <p:nvSpPr>
+          <p:cNvPr id="3" name="Content Placeholder 2">
+            <a:extLst>
+              <a:ext uri="{FF2B5EF4-FFF2-40B4-BE49-F238E27FC236}">
+                <a16:creationId xmlns:a16="http://schemas.microsoft.com/office/drawing/2014/main" id="{45BF719A-E4FB-4A50-959C-60FFA6DE485A}"/>
+              </a:ext>
+            </a:extLst>
+          </p:cNvPr>
+          <p:cNvSpPr>
+            <a:spLocks noGrp="1"/>
+          </p:cNvSpPr>
+          <p:nvPr>
+            <p:ph idx="1"/>
+          </p:nvPr>
+        </p:nvSpPr>
+        <p:spPr/>
+        <p:txBody>
+          <a:bodyPr/>
+          <a:lstStyle/>
+          <a:p>
+            <a:r>
+              <a:rPr lang="en-US" sz="2000" dirty="0"/>
+              <a:t>Not recognizing features on cube anymore (wrong training data) ?</a:t>
+            </a:r>
+          </a:p>
+          <a:p>
+            <a:pPr lvl="1"/>
+            <a:r>
+              <a:rPr lang="en-US" sz="1800" dirty="0"/>
+              <a:t>Find differences in HD and low-res cubes </a:t>
+            </a:r>
+          </a:p>
+          <a:p>
+            <a:pPr lvl="1"/>
+            <a:r>
+              <a:rPr lang="en-US" sz="1800" dirty="0"/>
+              <a:t>New training-set required </a:t>
+            </a:r>
+          </a:p>
+          <a:p>
+            <a:r>
+              <a:rPr lang="en-US" sz="2000" dirty="0"/>
+              <a:t>JPGS in weird dimension after turning </a:t>
+            </a:r>
+          </a:p>
+          <a:p>
+            <a:r>
+              <a:rPr lang="en-US" sz="2000" dirty="0"/>
+              <a:t>Slicing </a:t>
+            </a:r>
+            <a:r>
+              <a:rPr lang="en-US" sz="2000"/>
+              <a:t>not working on cubes </a:t>
+            </a:r>
+            <a:endParaRPr lang="en-US" sz="2000" dirty="0"/>
+          </a:p>
+          <a:p>
+            <a:endParaRPr lang="en-US" dirty="0"/>
+          </a:p>
+        </p:txBody>
+      </p:sp>
+    </p:spTree>
+    <p:extLst>
+      <p:ext uri="{BB962C8B-B14F-4D97-AF65-F5344CB8AC3E}">
+        <p14:creationId xmlns:p14="http://schemas.microsoft.com/office/powerpoint/2010/main" val="3519075627"/>
       </p:ext>
     </p:extLst>
   </p:cSld>
@@ -10175,6 +10297,15 @@
 </file>
 
 <file path=customXml/item1.xml><?xml version="1.0" encoding="utf-8"?>
+<?mso-contentType ?>
+<FormTemplates xmlns="http://schemas.microsoft.com/sharepoint/v3/contenttype/forms">
+  <Display>DocumentLibraryForm</Display>
+  <Edit>DocumentLibraryForm</Edit>
+  <New>DocumentLibraryForm</New>
+</FormTemplates>
+</file>
+
+<file path=customXml/item2.xml><?xml version="1.0" encoding="utf-8"?>
 <ct:contentTypeSchema xmlns:ct="http://schemas.microsoft.com/office/2006/metadata/contentType" xmlns:ma="http://schemas.microsoft.com/office/2006/metadata/properties/metaAttributes" ct:_="" ma:_="" ma:contentTypeName="Document" ma:contentTypeID="0x01010079F111ED35F8CC479449609E8A0923A6" ma:contentTypeVersion="12" ma:contentTypeDescription="Create a new document." ma:contentTypeScope="" ma:versionID="a410dd7f93c95333ffa1b60ed6adedd1">
   <xsd:schema xmlns:xsd="http://www.w3.org/2001/XMLSchema" xmlns:xs="http://www.w3.org/2001/XMLSchema" xmlns:p="http://schemas.microsoft.com/office/2006/metadata/properties" xmlns:ns2="71af3243-3dd4-4a8d-8c0d-dd76da1f02a5" xmlns:ns3="16c05727-aa75-4e4a-9b5f-8a80a1165891" targetNamespace="http://schemas.microsoft.com/office/2006/metadata/properties" ma:root="true" ma:fieldsID="a936d9baba76aa3866493feff160faab" ns2:_="" ns3:_="">
     <xsd:import namespace="71af3243-3dd4-4a8d-8c0d-dd76da1f02a5"/>
@@ -10395,15 +10526,6 @@
 </ct:contentTypeSchema>
 </file>
 
-<file path=customXml/item2.xml><?xml version="1.0" encoding="utf-8"?>
-<?mso-contentType ?>
-<FormTemplates xmlns="http://schemas.microsoft.com/sharepoint/v3/contenttype/forms">
-  <Display>DocumentLibraryForm</Display>
-  <Edit>DocumentLibraryForm</Edit>
-  <New>DocumentLibraryForm</New>
-</FormTemplates>
-</file>
-
 <file path=customXml/item3.xml><?xml version="1.0" encoding="utf-8"?>
 <p:properties xmlns:p="http://schemas.microsoft.com/office/2006/metadata/properties" xmlns:xsi="http://www.w3.org/2001/XMLSchema-instance" xmlns:pc="http://schemas.microsoft.com/office/infopath/2007/PartnerControls">
   <documentManagement>
@@ -10414,6 +10536,14 @@
 </file>
 
 <file path=customXml/itemProps1.xml><?xml version="1.0" encoding="utf-8"?>
+<ds:datastoreItem xmlns:ds="http://schemas.openxmlformats.org/officeDocument/2006/customXml" ds:itemID="{CDB58277-F8DF-46FF-84EC-EF41B835E69F}">
+  <ds:schemaRefs>
+    <ds:schemaRef ds:uri="http://schemas.microsoft.com/sharepoint/v3/contenttype/forms"/>
+  </ds:schemaRefs>
+</ds:datastoreItem>
+</file>
+
+<file path=customXml/itemProps2.xml><?xml version="1.0" encoding="utf-8"?>
 <ds:datastoreItem xmlns:ds="http://schemas.openxmlformats.org/officeDocument/2006/customXml" ds:itemID="{2D276E62-80A3-44DD-9BCC-97ED2B99B57F}">
   <ds:schemaRefs>
     <ds:schemaRef ds:uri="http://schemas.microsoft.com/office/2006/metadata/contentType"/>
@@ -10432,14 +10562,6 @@
 </ds:datastoreItem>
 </file>
 
-<file path=customXml/itemProps2.xml><?xml version="1.0" encoding="utf-8"?>
-<ds:datastoreItem xmlns:ds="http://schemas.openxmlformats.org/officeDocument/2006/customXml" ds:itemID="{CDB58277-F8DF-46FF-84EC-EF41B835E69F}">
-  <ds:schemaRefs>
-    <ds:schemaRef ds:uri="http://schemas.microsoft.com/sharepoint/v3/contenttype/forms"/>
-  </ds:schemaRefs>
-</ds:datastoreItem>
-</file>
-
 <file path=customXml/itemProps3.xml><?xml version="1.0" encoding="utf-8"?>
 <ds:datastoreItem xmlns:ds="http://schemas.openxmlformats.org/officeDocument/2006/customXml" ds:itemID="{137651BA-F45C-4845-9AB3-E0A65B39F5E1}">
   <ds:schemaRefs>

--- a/SSD Feature Detection Selling points.pptx
+++ b/SSD Feature Detection Selling points.pptx
@@ -5,7 +5,7 @@
     <p:sldMasterId id="2147483673" r:id="rId4"/>
   </p:sldMasterIdLst>
   <p:notesMasterIdLst>
-    <p:notesMasterId r:id="rId27"/>
+    <p:notesMasterId r:id="rId30"/>
   </p:notesMasterIdLst>
   <p:sldIdLst>
     <p:sldId id="257" r:id="rId5"/>
@@ -30,6 +30,9 @@
     <p:sldId id="268" r:id="rId24"/>
     <p:sldId id="277" r:id="rId25"/>
     <p:sldId id="278" r:id="rId26"/>
+    <p:sldId id="279" r:id="rId27"/>
+    <p:sldId id="280" r:id="rId28"/>
+    <p:sldId id="281" r:id="rId29"/>
   </p:sldIdLst>
   <p:sldSz cx="12192000" cy="6858000"/>
   <p:notesSz cx="6858000" cy="9144000"/>
@@ -163,6 +166,9 @@
             <p14:sldId id="268"/>
             <p14:sldId id="277"/>
             <p14:sldId id="278"/>
+            <p14:sldId id="279"/>
+            <p14:sldId id="280"/>
+            <p14:sldId id="281"/>
           </p14:sldIdLst>
         </p14:section>
       </p14:sectionLst>
@@ -259,7 +265,7 @@
           <a:p>
             <a:fld id="{02675569-5933-4727-A940-3926F137A439}" type="datetimeFigureOut">
               <a:rPr lang="en-US" smtClean="0"/>
-              <a:t>9/28/2021</a:t>
+              <a:t>10/1/2021</a:t>
             </a:fld>
             <a:endParaRPr lang="en-US"/>
           </a:p>
@@ -1101,7 +1107,7 @@
           <a:p>
             <a:fld id="{EA0C0817-A112-4847-8014-A94B7D2A4EA3}" type="datetime1">
               <a:rPr lang="en-US" smtClean="0"/>
-              <a:t>9/28/2021</a:t>
+              <a:t>10/1/2021</a:t>
             </a:fld>
             <a:endParaRPr lang="en-US" dirty="0"/>
           </a:p>
@@ -1303,7 +1309,7 @@
           <a:p>
             <a:fld id="{7332B432-ACDA-4023-A761-2BAB76577B62}" type="datetime1">
               <a:rPr lang="en-US" smtClean="0"/>
-              <a:t>9/28/2021</a:t>
+              <a:t>10/1/2021</a:t>
             </a:fld>
             <a:endParaRPr lang="en-US" dirty="0"/>
           </a:p>
@@ -1902,7 +1908,7 @@
           <a:p>
             <a:fld id="{D9C646AA-F36E-4540-911D-FFFC0A0EF24A}" type="datetime1">
               <a:rPr lang="en-US" smtClean="0"/>
-              <a:t>9/28/2021</a:t>
+              <a:t>10/1/2021</a:t>
             </a:fld>
             <a:endParaRPr lang="en-US" dirty="0"/>
           </a:p>
@@ -2222,7 +2228,7 @@
           <a:p>
             <a:fld id="{69186D26-FA5F-4637-B602-B7C2DC34CFD4}" type="datetime1">
               <a:rPr lang="en-US" smtClean="0"/>
-              <a:t>9/28/2021</a:t>
+              <a:t>10/1/2021</a:t>
             </a:fld>
             <a:endParaRPr lang="en-US" dirty="0"/>
           </a:p>
@@ -2659,7 +2665,7 @@
           <a:p>
             <a:fld id="{8A7F15D8-96D1-4781-BC50-CA8A088B2FE4}" type="datetime1">
               <a:rPr lang="en-US" smtClean="0"/>
-              <a:t>9/28/2021</a:t>
+              <a:t>10/1/2021</a:t>
             </a:fld>
             <a:endParaRPr lang="en-US" dirty="0"/>
           </a:p>
@@ -2777,7 +2783,7 @@
           <a:p>
             <a:fld id="{F9A96C99-B8F8-4528-BD05-0E16E943DC09}" type="datetime1">
               <a:rPr lang="en-US" smtClean="0"/>
-              <a:t>9/28/2021</a:t>
+              <a:t>10/1/2021</a:t>
             </a:fld>
             <a:endParaRPr lang="en-US" dirty="0"/>
           </a:p>
@@ -2872,7 +2878,7 @@
           <a:p>
             <a:fld id="{03636942-C211-4B28-8DBD-C953E00AF71B}" type="datetime1">
               <a:rPr lang="en-US" smtClean="0"/>
-              <a:t>9/28/2021</a:t>
+              <a:t>10/1/2021</a:t>
             </a:fld>
             <a:endParaRPr lang="en-US" dirty="0"/>
           </a:p>
@@ -3289,7 +3295,7 @@
           <a:p>
             <a:fld id="{7E8D12A6-918A-48BD-8CB9-CA713993B0EA}" type="datetime1">
               <a:rPr lang="en-US" smtClean="0"/>
-              <a:t>9/28/2021</a:t>
+              <a:t>10/1/2021</a:t>
             </a:fld>
             <a:endParaRPr lang="en-US" dirty="0"/>
           </a:p>
@@ -3551,7 +3557,7 @@
             <a:fld id="{E778CE86-875F-4587-BCF6-FA054AFC0D53}" type="datetime1">
               <a:rPr lang="en-US" smtClean="0"/>
               <a:pPr/>
-              <a:t>9/28/2021</a:t>
+              <a:t>10/1/2021</a:t>
             </a:fld>
             <a:endParaRPr lang="en-US" dirty="0"/>
           </a:p>
@@ -4067,7 +4073,7 @@
           <a:p>
             <a:fld id="{F6FA2B21-3FCD-4721-B95C-427943F61125}" type="datetime1">
               <a:rPr lang="en-US" smtClean="0"/>
-              <a:t>9/28/2021</a:t>
+              <a:t>10/1/2021</a:t>
             </a:fld>
             <a:endParaRPr lang="en-US" dirty="0"/>
           </a:p>
@@ -8518,13 +8524,8 @@
           <a:p>
             <a:r>
               <a:rPr lang="en-US" sz="2000" dirty="0"/>
-              <a:t>Slicing </a:t>
-            </a:r>
-            <a:r>
-              <a:rPr lang="en-US" sz="2000"/>
-              <a:t>not working on cubes </a:t>
-            </a:r>
-            <a:endParaRPr lang="en-US" sz="2000" dirty="0"/>
+              <a:t>Slicing not working on cubes </a:t>
+            </a:r>
           </a:p>
           <a:p>
             <a:endParaRPr lang="en-US" dirty="0"/>
@@ -8535,6 +8536,1495 @@
     <p:extLst>
       <p:ext uri="{BB962C8B-B14F-4D97-AF65-F5344CB8AC3E}">
         <p14:creationId xmlns:p14="http://schemas.microsoft.com/office/powerpoint/2010/main" val="3519075627"/>
+      </p:ext>
+    </p:extLst>
+  </p:cSld>
+  <p:clrMapOvr>
+    <a:masterClrMapping/>
+  </p:clrMapOvr>
+</p:sld>
+</file>
+
+<file path=ppt/slides/slide23.xml><?xml version="1.0" encoding="utf-8"?>
+<p:sld xmlns:a="http://schemas.openxmlformats.org/drawingml/2006/main" xmlns:r="http://schemas.openxmlformats.org/officeDocument/2006/relationships" xmlns:p="http://schemas.openxmlformats.org/presentationml/2006/main">
+  <p:cSld>
+    <p:spTree>
+      <p:nvGrpSpPr>
+        <p:cNvPr id="1" name=""/>
+        <p:cNvGrpSpPr/>
+        <p:nvPr/>
+      </p:nvGrpSpPr>
+      <p:grpSpPr>
+        <a:xfrm>
+          <a:off x="0" y="0"/>
+          <a:ext cx="0" cy="0"/>
+          <a:chOff x="0" y="0"/>
+          <a:chExt cx="0" cy="0"/>
+        </a:xfrm>
+      </p:grpSpPr>
+      <p:sp>
+        <p:nvSpPr>
+          <p:cNvPr id="2" name="Title 1">
+            <a:extLst>
+              <a:ext uri="{FF2B5EF4-FFF2-40B4-BE49-F238E27FC236}">
+                <a16:creationId xmlns:a16="http://schemas.microsoft.com/office/drawing/2014/main" id="{7D5E0627-6B07-48E9-ABF3-C4064F6C8BE8}"/>
+              </a:ext>
+            </a:extLst>
+          </p:cNvPr>
+          <p:cNvSpPr>
+            <a:spLocks noGrp="1"/>
+          </p:cNvSpPr>
+          <p:nvPr>
+            <p:ph type="title"/>
+          </p:nvPr>
+        </p:nvSpPr>
+        <p:spPr/>
+        <p:txBody>
+          <a:bodyPr/>
+          <a:lstStyle/>
+          <a:p>
+            <a:r>
+              <a:rPr lang="en-US" dirty="0"/>
+              <a:t>Different pictures ?</a:t>
+            </a:r>
+          </a:p>
+        </p:txBody>
+      </p:sp>
+      <p:pic>
+        <p:nvPicPr>
+          <p:cNvPr id="5" name="Content Placeholder 4" descr="Graphical user interface, application, Teams&#10;&#10;Description automatically generated">
+            <a:extLst>
+              <a:ext uri="{FF2B5EF4-FFF2-40B4-BE49-F238E27FC236}">
+                <a16:creationId xmlns:a16="http://schemas.microsoft.com/office/drawing/2014/main" id="{FCCC5263-7B37-4330-9B66-EE7C44623B84}"/>
+              </a:ext>
+            </a:extLst>
+          </p:cNvPr>
+          <p:cNvPicPr>
+            <a:picLocks noGrp="1" noChangeAspect="1"/>
+          </p:cNvPicPr>
+          <p:nvPr>
+            <p:ph idx="1"/>
+          </p:nvPr>
+        </p:nvPicPr>
+        <p:blipFill>
+          <a:blip r:embed="rId2"/>
+          <a:stretch>
+            <a:fillRect/>
+          </a:stretch>
+        </p:blipFill>
+        <p:spPr>
+          <a:xfrm>
+            <a:off x="5975758" y="1772037"/>
+            <a:ext cx="4443368" cy="4443368"/>
+          </a:xfrm>
+        </p:spPr>
+      </p:pic>
+      <p:pic>
+        <p:nvPicPr>
+          <p:cNvPr id="7" name="Picture 6" descr="Application, icon&#10;&#10;Description automatically generated">
+            <a:extLst>
+              <a:ext uri="{FF2B5EF4-FFF2-40B4-BE49-F238E27FC236}">
+                <a16:creationId xmlns:a16="http://schemas.microsoft.com/office/drawing/2014/main" id="{5F873A1E-1F30-47AE-808E-07F49F961F07}"/>
+              </a:ext>
+            </a:extLst>
+          </p:cNvPr>
+          <p:cNvPicPr>
+            <a:picLocks noChangeAspect="1"/>
+          </p:cNvPicPr>
+          <p:nvPr/>
+        </p:nvPicPr>
+        <p:blipFill>
+          <a:blip r:embed="rId3"/>
+          <a:stretch>
+            <a:fillRect/>
+          </a:stretch>
+        </p:blipFill>
+        <p:spPr>
+          <a:xfrm>
+            <a:off x="900418" y="1772038"/>
+            <a:ext cx="4443368" cy="4443368"/>
+          </a:xfrm>
+          <a:prstGeom prst="rect">
+            <a:avLst/>
+          </a:prstGeom>
+        </p:spPr>
+      </p:pic>
+      <p:sp>
+        <p:nvSpPr>
+          <p:cNvPr id="8" name="TextBox 7">
+            <a:extLst>
+              <a:ext uri="{FF2B5EF4-FFF2-40B4-BE49-F238E27FC236}">
+                <a16:creationId xmlns:a16="http://schemas.microsoft.com/office/drawing/2014/main" id="{65E4E5EC-632E-4A43-93F2-B6C62D929FC4}"/>
+              </a:ext>
+            </a:extLst>
+          </p:cNvPr>
+          <p:cNvSpPr txBox="1"/>
+          <p:nvPr/>
+        </p:nvSpPr>
+        <p:spPr>
+          <a:xfrm>
+            <a:off x="900418" y="5692185"/>
+            <a:ext cx="1820411" cy="523220"/>
+          </a:xfrm>
+          <a:prstGeom prst="rect">
+            <a:avLst/>
+          </a:prstGeom>
+          <a:noFill/>
+        </p:spPr>
+        <p:txBody>
+          <a:bodyPr wrap="square" rtlCol="0">
+            <a:spAutoFit/>
+          </a:bodyPr>
+          <a:lstStyle/>
+          <a:p>
+            <a:r>
+              <a:rPr lang="en-US" sz="2800" b="1" dirty="0">
+                <a:solidFill>
+                  <a:schemeClr val="bg1"/>
+                </a:solidFill>
+              </a:rPr>
+              <a:t>working</a:t>
+            </a:r>
+          </a:p>
+        </p:txBody>
+      </p:sp>
+      <p:sp>
+        <p:nvSpPr>
+          <p:cNvPr id="9" name="TextBox 8">
+            <a:extLst>
+              <a:ext uri="{FF2B5EF4-FFF2-40B4-BE49-F238E27FC236}">
+                <a16:creationId xmlns:a16="http://schemas.microsoft.com/office/drawing/2014/main" id="{9199A985-37C8-4960-B1AD-F7C125E7E912}"/>
+              </a:ext>
+            </a:extLst>
+          </p:cNvPr>
+          <p:cNvSpPr txBox="1"/>
+          <p:nvPr/>
+        </p:nvSpPr>
+        <p:spPr>
+          <a:xfrm>
+            <a:off x="6096000" y="5692185"/>
+            <a:ext cx="2876026" cy="523220"/>
+          </a:xfrm>
+          <a:prstGeom prst="rect">
+            <a:avLst/>
+          </a:prstGeom>
+          <a:noFill/>
+        </p:spPr>
+        <p:txBody>
+          <a:bodyPr wrap="square" rtlCol="0">
+            <a:spAutoFit/>
+          </a:bodyPr>
+          <a:lstStyle/>
+          <a:p>
+            <a:r>
+              <a:rPr lang="en-US" sz="2800" b="1" dirty="0">
+                <a:solidFill>
+                  <a:schemeClr val="bg1"/>
+                </a:solidFill>
+              </a:rPr>
+              <a:t>Now working ?</a:t>
+            </a:r>
+          </a:p>
+        </p:txBody>
+      </p:sp>
+      <p:sp>
+        <p:nvSpPr>
+          <p:cNvPr id="10" name="Arrow: Down 9">
+            <a:extLst>
+              <a:ext uri="{FF2B5EF4-FFF2-40B4-BE49-F238E27FC236}">
+                <a16:creationId xmlns:a16="http://schemas.microsoft.com/office/drawing/2014/main" id="{7FBF67D6-7FCA-4F2A-B500-BF8351C9ABF0}"/>
+              </a:ext>
+            </a:extLst>
+          </p:cNvPr>
+          <p:cNvSpPr/>
+          <p:nvPr/>
+        </p:nvSpPr>
+        <p:spPr>
+          <a:xfrm rot="2822930">
+            <a:off x="4683304" y="4380639"/>
+            <a:ext cx="268448" cy="575975"/>
+          </a:xfrm>
+          <a:prstGeom prst="downArrow">
+            <a:avLst/>
+          </a:prstGeom>
+        </p:spPr>
+        <p:style>
+          <a:lnRef idx="2">
+            <a:schemeClr val="accent1">
+              <a:shade val="50000"/>
+            </a:schemeClr>
+          </a:lnRef>
+          <a:fillRef idx="1">
+            <a:schemeClr val="accent1"/>
+          </a:fillRef>
+          <a:effectRef idx="0">
+            <a:schemeClr val="accent1"/>
+          </a:effectRef>
+          <a:fontRef idx="minor">
+            <a:schemeClr val="lt1"/>
+          </a:fontRef>
+        </p:style>
+        <p:txBody>
+          <a:bodyPr rtlCol="0" anchor="ctr"/>
+          <a:lstStyle/>
+          <a:p>
+            <a:pPr algn="ctr"/>
+            <a:endParaRPr lang="en-US"/>
+          </a:p>
+        </p:txBody>
+      </p:sp>
+      <p:sp>
+        <p:nvSpPr>
+          <p:cNvPr id="12" name="TextBox 11">
+            <a:extLst>
+              <a:ext uri="{FF2B5EF4-FFF2-40B4-BE49-F238E27FC236}">
+                <a16:creationId xmlns:a16="http://schemas.microsoft.com/office/drawing/2014/main" id="{F9355637-CBBD-497D-B2BE-CCCB050FA878}"/>
+              </a:ext>
+            </a:extLst>
+          </p:cNvPr>
+          <p:cNvSpPr txBox="1"/>
+          <p:nvPr/>
+        </p:nvSpPr>
+        <p:spPr>
+          <a:xfrm>
+            <a:off x="3372675" y="3883967"/>
+            <a:ext cx="2105336" cy="461665"/>
+          </a:xfrm>
+          <a:prstGeom prst="rect">
+            <a:avLst/>
+          </a:prstGeom>
+          <a:noFill/>
+        </p:spPr>
+        <p:txBody>
+          <a:bodyPr wrap="square" rtlCol="0">
+            <a:spAutoFit/>
+          </a:bodyPr>
+          <a:lstStyle/>
+          <a:p>
+            <a:r>
+              <a:rPr lang="en-US" sz="1200" b="1" dirty="0">
+                <a:solidFill>
+                  <a:schemeClr val="bg1"/>
+                </a:solidFill>
+              </a:rPr>
+              <a:t>Preprogrammed confusion with hexagon</a:t>
+            </a:r>
+          </a:p>
+        </p:txBody>
+      </p:sp>
+    </p:spTree>
+    <p:extLst>
+      <p:ext uri="{BB962C8B-B14F-4D97-AF65-F5344CB8AC3E}">
+        <p14:creationId xmlns:p14="http://schemas.microsoft.com/office/powerpoint/2010/main" val="2948327633"/>
+      </p:ext>
+    </p:extLst>
+  </p:cSld>
+  <p:clrMapOvr>
+    <a:masterClrMapping/>
+  </p:clrMapOvr>
+</p:sld>
+</file>
+
+<file path=ppt/slides/slide24.xml><?xml version="1.0" encoding="utf-8"?>
+<p:sld xmlns:a="http://schemas.openxmlformats.org/drawingml/2006/main" xmlns:r="http://schemas.openxmlformats.org/officeDocument/2006/relationships" xmlns:p="http://schemas.openxmlformats.org/presentationml/2006/main">
+  <p:cSld>
+    <p:spTree>
+      <p:nvGrpSpPr>
+        <p:cNvPr id="1" name=""/>
+        <p:cNvGrpSpPr/>
+        <p:nvPr/>
+      </p:nvGrpSpPr>
+      <p:grpSpPr>
+        <a:xfrm>
+          <a:off x="0" y="0"/>
+          <a:ext cx="0" cy="0"/>
+          <a:chOff x="0" y="0"/>
+          <a:chExt cx="0" cy="0"/>
+        </a:xfrm>
+      </p:grpSpPr>
+      <p:sp>
+        <p:nvSpPr>
+          <p:cNvPr id="2" name="Title 1">
+            <a:extLst>
+              <a:ext uri="{FF2B5EF4-FFF2-40B4-BE49-F238E27FC236}">
+                <a16:creationId xmlns:a16="http://schemas.microsoft.com/office/drawing/2014/main" id="{061C01C3-A7EE-449A-8F76-130A735B3240}"/>
+              </a:ext>
+            </a:extLst>
+          </p:cNvPr>
+          <p:cNvSpPr>
+            <a:spLocks noGrp="1"/>
+          </p:cNvSpPr>
+          <p:nvPr>
+            <p:ph type="title"/>
+          </p:nvPr>
+        </p:nvSpPr>
+        <p:spPr/>
+        <p:txBody>
+          <a:bodyPr/>
+          <a:lstStyle/>
+          <a:p>
+            <a:endParaRPr lang="en-US" dirty="0"/>
+          </a:p>
+        </p:txBody>
+      </p:sp>
+      <p:graphicFrame>
+        <p:nvGraphicFramePr>
+          <p:cNvPr id="4" name="Table 4">
+            <a:extLst>
+              <a:ext uri="{FF2B5EF4-FFF2-40B4-BE49-F238E27FC236}">
+                <a16:creationId xmlns:a16="http://schemas.microsoft.com/office/drawing/2014/main" id="{C09779CE-AE76-46BB-BA21-F0C46A524F11}"/>
+              </a:ext>
+            </a:extLst>
+          </p:cNvPr>
+          <p:cNvGraphicFramePr>
+            <a:graphicFrameLocks noGrp="1"/>
+          </p:cNvGraphicFramePr>
+          <p:nvPr>
+            <p:ph idx="1"/>
+            <p:extLst>
+              <p:ext uri="{D42A27DB-BD31-4B8C-83A1-F6EECF244321}">
+                <p14:modId xmlns:p14="http://schemas.microsoft.com/office/powerpoint/2010/main" val="3297539784"/>
+              </p:ext>
+            </p:extLst>
+          </p:nvPr>
+        </p:nvGraphicFramePr>
+        <p:xfrm>
+          <a:off x="1066800" y="2103438"/>
+          <a:ext cx="4167930" cy="2966720"/>
+        </p:xfrm>
+        <a:graphic>
+          <a:graphicData uri="http://schemas.openxmlformats.org/drawingml/2006/table">
+            <a:tbl>
+              <a:tblPr firstRow="1" bandRow="1">
+                <a:tableStyleId>{5940675A-B579-460E-94D1-54222C63F5DA}</a:tableStyleId>
+              </a:tblPr>
+              <a:tblGrid>
+                <a:gridCol w="416793">
+                  <a:extLst>
+                    <a:ext uri="{9D8B030D-6E8A-4147-A177-3AD203B41FA5}">
+                      <a16:colId xmlns:a16="http://schemas.microsoft.com/office/drawing/2014/main" val="2625941504"/>
+                    </a:ext>
+                  </a:extLst>
+                </a:gridCol>
+                <a:gridCol w="416793">
+                  <a:extLst>
+                    <a:ext uri="{9D8B030D-6E8A-4147-A177-3AD203B41FA5}">
+                      <a16:colId xmlns:a16="http://schemas.microsoft.com/office/drawing/2014/main" val="1071429693"/>
+                    </a:ext>
+                  </a:extLst>
+                </a:gridCol>
+                <a:gridCol w="416793">
+                  <a:extLst>
+                    <a:ext uri="{9D8B030D-6E8A-4147-A177-3AD203B41FA5}">
+                      <a16:colId xmlns:a16="http://schemas.microsoft.com/office/drawing/2014/main" val="1049344231"/>
+                    </a:ext>
+                  </a:extLst>
+                </a:gridCol>
+                <a:gridCol w="416793">
+                  <a:extLst>
+                    <a:ext uri="{9D8B030D-6E8A-4147-A177-3AD203B41FA5}">
+                      <a16:colId xmlns:a16="http://schemas.microsoft.com/office/drawing/2014/main" val="2867894683"/>
+                    </a:ext>
+                  </a:extLst>
+                </a:gridCol>
+                <a:gridCol w="416793">
+                  <a:extLst>
+                    <a:ext uri="{9D8B030D-6E8A-4147-A177-3AD203B41FA5}">
+                      <a16:colId xmlns:a16="http://schemas.microsoft.com/office/drawing/2014/main" val="1347047300"/>
+                    </a:ext>
+                  </a:extLst>
+                </a:gridCol>
+                <a:gridCol w="416793">
+                  <a:extLst>
+                    <a:ext uri="{9D8B030D-6E8A-4147-A177-3AD203B41FA5}">
+                      <a16:colId xmlns:a16="http://schemas.microsoft.com/office/drawing/2014/main" val="2659397552"/>
+                    </a:ext>
+                  </a:extLst>
+                </a:gridCol>
+                <a:gridCol w="416793">
+                  <a:extLst>
+                    <a:ext uri="{9D8B030D-6E8A-4147-A177-3AD203B41FA5}">
+                      <a16:colId xmlns:a16="http://schemas.microsoft.com/office/drawing/2014/main" val="4015776554"/>
+                    </a:ext>
+                  </a:extLst>
+                </a:gridCol>
+                <a:gridCol w="416793">
+                  <a:extLst>
+                    <a:ext uri="{9D8B030D-6E8A-4147-A177-3AD203B41FA5}">
+                      <a16:colId xmlns:a16="http://schemas.microsoft.com/office/drawing/2014/main" val="1667991642"/>
+                    </a:ext>
+                  </a:extLst>
+                </a:gridCol>
+                <a:gridCol w="416793">
+                  <a:extLst>
+                    <a:ext uri="{9D8B030D-6E8A-4147-A177-3AD203B41FA5}">
+                      <a16:colId xmlns:a16="http://schemas.microsoft.com/office/drawing/2014/main" val="4209898087"/>
+                    </a:ext>
+                  </a:extLst>
+                </a:gridCol>
+                <a:gridCol w="416793">
+                  <a:extLst>
+                    <a:ext uri="{9D8B030D-6E8A-4147-A177-3AD203B41FA5}">
+                      <a16:colId xmlns:a16="http://schemas.microsoft.com/office/drawing/2014/main" val="54745867"/>
+                    </a:ext>
+                  </a:extLst>
+                </a:gridCol>
+              </a:tblGrid>
+              <a:tr h="370840">
+                <a:tc>
+                  <a:txBody>
+                    <a:bodyPr/>
+                    <a:lstStyle/>
+                    <a:p>
+                      <a:endParaRPr lang="en-US"/>
+                    </a:p>
+                  </a:txBody>
+                  <a:tcPr/>
+                </a:tc>
+                <a:tc>
+                  <a:txBody>
+                    <a:bodyPr/>
+                    <a:lstStyle/>
+                    <a:p>
+                      <a:endParaRPr lang="en-US"/>
+                    </a:p>
+                  </a:txBody>
+                  <a:tcPr/>
+                </a:tc>
+                <a:tc>
+                  <a:txBody>
+                    <a:bodyPr/>
+                    <a:lstStyle/>
+                    <a:p>
+                      <a:endParaRPr lang="en-US"/>
+                    </a:p>
+                  </a:txBody>
+                  <a:tcPr/>
+                </a:tc>
+                <a:tc>
+                  <a:txBody>
+                    <a:bodyPr/>
+                    <a:lstStyle/>
+                    <a:p>
+                      <a:endParaRPr lang="en-US"/>
+                    </a:p>
+                  </a:txBody>
+                  <a:tcPr/>
+                </a:tc>
+                <a:tc>
+                  <a:txBody>
+                    <a:bodyPr/>
+                    <a:lstStyle/>
+                    <a:p>
+                      <a:endParaRPr lang="en-US"/>
+                    </a:p>
+                  </a:txBody>
+                  <a:tcPr/>
+                </a:tc>
+                <a:tc>
+                  <a:txBody>
+                    <a:bodyPr/>
+                    <a:lstStyle/>
+                    <a:p>
+                      <a:endParaRPr lang="en-US"/>
+                    </a:p>
+                  </a:txBody>
+                  <a:tcPr/>
+                </a:tc>
+                <a:tc>
+                  <a:txBody>
+                    <a:bodyPr/>
+                    <a:lstStyle/>
+                    <a:p>
+                      <a:endParaRPr lang="en-US"/>
+                    </a:p>
+                  </a:txBody>
+                  <a:tcPr/>
+                </a:tc>
+                <a:tc>
+                  <a:txBody>
+                    <a:bodyPr/>
+                    <a:lstStyle/>
+                    <a:p>
+                      <a:endParaRPr lang="en-US"/>
+                    </a:p>
+                  </a:txBody>
+                  <a:tcPr/>
+                </a:tc>
+                <a:tc>
+                  <a:txBody>
+                    <a:bodyPr/>
+                    <a:lstStyle/>
+                    <a:p>
+                      <a:endParaRPr lang="en-US"/>
+                    </a:p>
+                  </a:txBody>
+                  <a:tcPr/>
+                </a:tc>
+                <a:tc>
+                  <a:txBody>
+                    <a:bodyPr/>
+                    <a:lstStyle/>
+                    <a:p>
+                      <a:endParaRPr lang="en-US"/>
+                    </a:p>
+                  </a:txBody>
+                  <a:tcPr/>
+                </a:tc>
+                <a:extLst>
+                  <a:ext uri="{0D108BD9-81ED-4DB2-BD59-A6C34878D82A}">
+                    <a16:rowId xmlns:a16="http://schemas.microsoft.com/office/drawing/2014/main" val="1605887336"/>
+                  </a:ext>
+                </a:extLst>
+              </a:tr>
+              <a:tr h="370840">
+                <a:tc>
+                  <a:txBody>
+                    <a:bodyPr/>
+                    <a:lstStyle/>
+                    <a:p>
+                      <a:endParaRPr lang="en-US"/>
+                    </a:p>
+                  </a:txBody>
+                  <a:tcPr/>
+                </a:tc>
+                <a:tc>
+                  <a:txBody>
+                    <a:bodyPr/>
+                    <a:lstStyle/>
+                    <a:p>
+                      <a:endParaRPr lang="en-US"/>
+                    </a:p>
+                  </a:txBody>
+                  <a:tcPr/>
+                </a:tc>
+                <a:tc>
+                  <a:txBody>
+                    <a:bodyPr/>
+                    <a:lstStyle/>
+                    <a:p>
+                      <a:endParaRPr lang="en-US"/>
+                    </a:p>
+                  </a:txBody>
+                  <a:tcPr/>
+                </a:tc>
+                <a:tc>
+                  <a:txBody>
+                    <a:bodyPr/>
+                    <a:lstStyle/>
+                    <a:p>
+                      <a:endParaRPr lang="en-US"/>
+                    </a:p>
+                  </a:txBody>
+                  <a:tcPr/>
+                </a:tc>
+                <a:tc>
+                  <a:txBody>
+                    <a:bodyPr/>
+                    <a:lstStyle/>
+                    <a:p>
+                      <a:endParaRPr lang="en-US"/>
+                    </a:p>
+                  </a:txBody>
+                  <a:tcPr/>
+                </a:tc>
+                <a:tc>
+                  <a:txBody>
+                    <a:bodyPr/>
+                    <a:lstStyle/>
+                    <a:p>
+                      <a:endParaRPr lang="en-US"/>
+                    </a:p>
+                  </a:txBody>
+                  <a:tcPr/>
+                </a:tc>
+                <a:tc>
+                  <a:txBody>
+                    <a:bodyPr/>
+                    <a:lstStyle/>
+                    <a:p>
+                      <a:endParaRPr lang="en-US"/>
+                    </a:p>
+                  </a:txBody>
+                  <a:tcPr/>
+                </a:tc>
+                <a:tc>
+                  <a:txBody>
+                    <a:bodyPr/>
+                    <a:lstStyle/>
+                    <a:p>
+                      <a:endParaRPr lang="en-US"/>
+                    </a:p>
+                  </a:txBody>
+                  <a:tcPr/>
+                </a:tc>
+                <a:tc>
+                  <a:txBody>
+                    <a:bodyPr/>
+                    <a:lstStyle/>
+                    <a:p>
+                      <a:endParaRPr lang="en-US"/>
+                    </a:p>
+                  </a:txBody>
+                  <a:tcPr/>
+                </a:tc>
+                <a:tc>
+                  <a:txBody>
+                    <a:bodyPr/>
+                    <a:lstStyle/>
+                    <a:p>
+                      <a:endParaRPr lang="en-US"/>
+                    </a:p>
+                  </a:txBody>
+                  <a:tcPr/>
+                </a:tc>
+                <a:extLst>
+                  <a:ext uri="{0D108BD9-81ED-4DB2-BD59-A6C34878D82A}">
+                    <a16:rowId xmlns:a16="http://schemas.microsoft.com/office/drawing/2014/main" val="2024083025"/>
+                  </a:ext>
+                </a:extLst>
+              </a:tr>
+              <a:tr h="370840">
+                <a:tc>
+                  <a:txBody>
+                    <a:bodyPr/>
+                    <a:lstStyle/>
+                    <a:p>
+                      <a:endParaRPr lang="en-US"/>
+                    </a:p>
+                  </a:txBody>
+                  <a:tcPr/>
+                </a:tc>
+                <a:tc>
+                  <a:txBody>
+                    <a:bodyPr/>
+                    <a:lstStyle/>
+                    <a:p>
+                      <a:endParaRPr lang="en-US"/>
+                    </a:p>
+                  </a:txBody>
+                  <a:tcPr/>
+                </a:tc>
+                <a:tc>
+                  <a:txBody>
+                    <a:bodyPr/>
+                    <a:lstStyle/>
+                    <a:p>
+                      <a:endParaRPr lang="en-US"/>
+                    </a:p>
+                  </a:txBody>
+                  <a:tcPr/>
+                </a:tc>
+                <a:tc>
+                  <a:txBody>
+                    <a:bodyPr/>
+                    <a:lstStyle/>
+                    <a:p>
+                      <a:endParaRPr lang="en-US"/>
+                    </a:p>
+                  </a:txBody>
+                  <a:tcPr/>
+                </a:tc>
+                <a:tc>
+                  <a:txBody>
+                    <a:bodyPr/>
+                    <a:lstStyle/>
+                    <a:p>
+                      <a:endParaRPr lang="en-US"/>
+                    </a:p>
+                  </a:txBody>
+                  <a:tcPr/>
+                </a:tc>
+                <a:tc>
+                  <a:txBody>
+                    <a:bodyPr/>
+                    <a:lstStyle/>
+                    <a:p>
+                      <a:endParaRPr lang="en-US" dirty="0"/>
+                    </a:p>
+                  </a:txBody>
+                  <a:tcPr/>
+                </a:tc>
+                <a:tc>
+                  <a:txBody>
+                    <a:bodyPr/>
+                    <a:lstStyle/>
+                    <a:p>
+                      <a:endParaRPr lang="en-US"/>
+                    </a:p>
+                  </a:txBody>
+                  <a:tcPr/>
+                </a:tc>
+                <a:tc>
+                  <a:txBody>
+                    <a:bodyPr/>
+                    <a:lstStyle/>
+                    <a:p>
+                      <a:endParaRPr lang="en-US"/>
+                    </a:p>
+                  </a:txBody>
+                  <a:tcPr/>
+                </a:tc>
+                <a:tc>
+                  <a:txBody>
+                    <a:bodyPr/>
+                    <a:lstStyle/>
+                    <a:p>
+                      <a:endParaRPr lang="en-US"/>
+                    </a:p>
+                  </a:txBody>
+                  <a:tcPr/>
+                </a:tc>
+                <a:tc>
+                  <a:txBody>
+                    <a:bodyPr/>
+                    <a:lstStyle/>
+                    <a:p>
+                      <a:endParaRPr lang="en-US"/>
+                    </a:p>
+                  </a:txBody>
+                  <a:tcPr/>
+                </a:tc>
+                <a:extLst>
+                  <a:ext uri="{0D108BD9-81ED-4DB2-BD59-A6C34878D82A}">
+                    <a16:rowId xmlns:a16="http://schemas.microsoft.com/office/drawing/2014/main" val="1061563553"/>
+                  </a:ext>
+                </a:extLst>
+              </a:tr>
+              <a:tr h="370840">
+                <a:tc>
+                  <a:txBody>
+                    <a:bodyPr/>
+                    <a:lstStyle/>
+                    <a:p>
+                      <a:endParaRPr lang="en-US"/>
+                    </a:p>
+                  </a:txBody>
+                  <a:tcPr/>
+                </a:tc>
+                <a:tc>
+                  <a:txBody>
+                    <a:bodyPr/>
+                    <a:lstStyle/>
+                    <a:p>
+                      <a:endParaRPr lang="en-US"/>
+                    </a:p>
+                  </a:txBody>
+                  <a:tcPr/>
+                </a:tc>
+                <a:tc>
+                  <a:txBody>
+                    <a:bodyPr/>
+                    <a:lstStyle/>
+                    <a:p>
+                      <a:endParaRPr lang="en-US"/>
+                    </a:p>
+                  </a:txBody>
+                  <a:tcPr/>
+                </a:tc>
+                <a:tc>
+                  <a:txBody>
+                    <a:bodyPr/>
+                    <a:lstStyle/>
+                    <a:p>
+                      <a:endParaRPr lang="en-US"/>
+                    </a:p>
+                  </a:txBody>
+                  <a:tcPr/>
+                </a:tc>
+                <a:tc>
+                  <a:txBody>
+                    <a:bodyPr/>
+                    <a:lstStyle/>
+                    <a:p>
+                      <a:endParaRPr lang="en-US"/>
+                    </a:p>
+                  </a:txBody>
+                  <a:tcPr/>
+                </a:tc>
+                <a:tc>
+                  <a:txBody>
+                    <a:bodyPr/>
+                    <a:lstStyle/>
+                    <a:p>
+                      <a:endParaRPr lang="en-US"/>
+                    </a:p>
+                  </a:txBody>
+                  <a:tcPr/>
+                </a:tc>
+                <a:tc>
+                  <a:txBody>
+                    <a:bodyPr/>
+                    <a:lstStyle/>
+                    <a:p>
+                      <a:endParaRPr lang="en-US"/>
+                    </a:p>
+                  </a:txBody>
+                  <a:tcPr/>
+                </a:tc>
+                <a:tc>
+                  <a:txBody>
+                    <a:bodyPr/>
+                    <a:lstStyle/>
+                    <a:p>
+                      <a:endParaRPr lang="en-US"/>
+                    </a:p>
+                  </a:txBody>
+                  <a:tcPr/>
+                </a:tc>
+                <a:tc>
+                  <a:txBody>
+                    <a:bodyPr/>
+                    <a:lstStyle/>
+                    <a:p>
+                      <a:endParaRPr lang="en-US"/>
+                    </a:p>
+                  </a:txBody>
+                  <a:tcPr/>
+                </a:tc>
+                <a:tc>
+                  <a:txBody>
+                    <a:bodyPr/>
+                    <a:lstStyle/>
+                    <a:p>
+                      <a:endParaRPr lang="en-US"/>
+                    </a:p>
+                  </a:txBody>
+                  <a:tcPr/>
+                </a:tc>
+                <a:extLst>
+                  <a:ext uri="{0D108BD9-81ED-4DB2-BD59-A6C34878D82A}">
+                    <a16:rowId xmlns:a16="http://schemas.microsoft.com/office/drawing/2014/main" val="1380709455"/>
+                  </a:ext>
+                </a:extLst>
+              </a:tr>
+              <a:tr h="370840">
+                <a:tc>
+                  <a:txBody>
+                    <a:bodyPr/>
+                    <a:lstStyle/>
+                    <a:p>
+                      <a:endParaRPr lang="en-US"/>
+                    </a:p>
+                  </a:txBody>
+                  <a:tcPr/>
+                </a:tc>
+                <a:tc>
+                  <a:txBody>
+                    <a:bodyPr/>
+                    <a:lstStyle/>
+                    <a:p>
+                      <a:endParaRPr lang="en-US"/>
+                    </a:p>
+                  </a:txBody>
+                  <a:tcPr/>
+                </a:tc>
+                <a:tc>
+                  <a:txBody>
+                    <a:bodyPr/>
+                    <a:lstStyle/>
+                    <a:p>
+                      <a:endParaRPr lang="en-US"/>
+                    </a:p>
+                  </a:txBody>
+                  <a:tcPr/>
+                </a:tc>
+                <a:tc>
+                  <a:txBody>
+                    <a:bodyPr/>
+                    <a:lstStyle/>
+                    <a:p>
+                      <a:endParaRPr lang="en-US"/>
+                    </a:p>
+                  </a:txBody>
+                  <a:tcPr/>
+                </a:tc>
+                <a:tc>
+                  <a:txBody>
+                    <a:bodyPr/>
+                    <a:lstStyle/>
+                    <a:p>
+                      <a:endParaRPr lang="en-US"/>
+                    </a:p>
+                  </a:txBody>
+                  <a:tcPr/>
+                </a:tc>
+                <a:tc>
+                  <a:txBody>
+                    <a:bodyPr/>
+                    <a:lstStyle/>
+                    <a:p>
+                      <a:endParaRPr lang="en-US"/>
+                    </a:p>
+                  </a:txBody>
+                  <a:tcPr/>
+                </a:tc>
+                <a:tc>
+                  <a:txBody>
+                    <a:bodyPr/>
+                    <a:lstStyle/>
+                    <a:p>
+                      <a:endParaRPr lang="en-US"/>
+                    </a:p>
+                  </a:txBody>
+                  <a:tcPr/>
+                </a:tc>
+                <a:tc>
+                  <a:txBody>
+                    <a:bodyPr/>
+                    <a:lstStyle/>
+                    <a:p>
+                      <a:endParaRPr lang="en-US"/>
+                    </a:p>
+                  </a:txBody>
+                  <a:tcPr/>
+                </a:tc>
+                <a:tc>
+                  <a:txBody>
+                    <a:bodyPr/>
+                    <a:lstStyle/>
+                    <a:p>
+                      <a:endParaRPr lang="en-US"/>
+                    </a:p>
+                  </a:txBody>
+                  <a:tcPr/>
+                </a:tc>
+                <a:tc>
+                  <a:txBody>
+                    <a:bodyPr/>
+                    <a:lstStyle/>
+                    <a:p>
+                      <a:endParaRPr lang="en-US"/>
+                    </a:p>
+                  </a:txBody>
+                  <a:tcPr/>
+                </a:tc>
+                <a:extLst>
+                  <a:ext uri="{0D108BD9-81ED-4DB2-BD59-A6C34878D82A}">
+                    <a16:rowId xmlns:a16="http://schemas.microsoft.com/office/drawing/2014/main" val="2901202456"/>
+                  </a:ext>
+                </a:extLst>
+              </a:tr>
+              <a:tr h="370840">
+                <a:tc>
+                  <a:txBody>
+                    <a:bodyPr/>
+                    <a:lstStyle/>
+                    <a:p>
+                      <a:endParaRPr lang="en-US"/>
+                    </a:p>
+                  </a:txBody>
+                  <a:tcPr/>
+                </a:tc>
+                <a:tc>
+                  <a:txBody>
+                    <a:bodyPr/>
+                    <a:lstStyle/>
+                    <a:p>
+                      <a:endParaRPr lang="en-US"/>
+                    </a:p>
+                  </a:txBody>
+                  <a:tcPr/>
+                </a:tc>
+                <a:tc>
+                  <a:txBody>
+                    <a:bodyPr/>
+                    <a:lstStyle/>
+                    <a:p>
+                      <a:endParaRPr lang="en-US"/>
+                    </a:p>
+                  </a:txBody>
+                  <a:tcPr/>
+                </a:tc>
+                <a:tc>
+                  <a:txBody>
+                    <a:bodyPr/>
+                    <a:lstStyle/>
+                    <a:p>
+                      <a:endParaRPr lang="en-US"/>
+                    </a:p>
+                  </a:txBody>
+                  <a:tcPr/>
+                </a:tc>
+                <a:tc>
+                  <a:txBody>
+                    <a:bodyPr/>
+                    <a:lstStyle/>
+                    <a:p>
+                      <a:endParaRPr lang="en-US"/>
+                    </a:p>
+                  </a:txBody>
+                  <a:tcPr/>
+                </a:tc>
+                <a:tc>
+                  <a:txBody>
+                    <a:bodyPr/>
+                    <a:lstStyle/>
+                    <a:p>
+                      <a:endParaRPr lang="en-US"/>
+                    </a:p>
+                  </a:txBody>
+                  <a:tcPr/>
+                </a:tc>
+                <a:tc>
+                  <a:txBody>
+                    <a:bodyPr/>
+                    <a:lstStyle/>
+                    <a:p>
+                      <a:endParaRPr lang="en-US"/>
+                    </a:p>
+                  </a:txBody>
+                  <a:tcPr/>
+                </a:tc>
+                <a:tc>
+                  <a:txBody>
+                    <a:bodyPr/>
+                    <a:lstStyle/>
+                    <a:p>
+                      <a:endParaRPr lang="en-US"/>
+                    </a:p>
+                  </a:txBody>
+                  <a:tcPr/>
+                </a:tc>
+                <a:tc>
+                  <a:txBody>
+                    <a:bodyPr/>
+                    <a:lstStyle/>
+                    <a:p>
+                      <a:endParaRPr lang="en-US"/>
+                    </a:p>
+                  </a:txBody>
+                  <a:tcPr/>
+                </a:tc>
+                <a:tc>
+                  <a:txBody>
+                    <a:bodyPr/>
+                    <a:lstStyle/>
+                    <a:p>
+                      <a:endParaRPr lang="en-US"/>
+                    </a:p>
+                  </a:txBody>
+                  <a:tcPr/>
+                </a:tc>
+                <a:extLst>
+                  <a:ext uri="{0D108BD9-81ED-4DB2-BD59-A6C34878D82A}">
+                    <a16:rowId xmlns:a16="http://schemas.microsoft.com/office/drawing/2014/main" val="1288065688"/>
+                  </a:ext>
+                </a:extLst>
+              </a:tr>
+              <a:tr h="370840">
+                <a:tc>
+                  <a:txBody>
+                    <a:bodyPr/>
+                    <a:lstStyle/>
+                    <a:p>
+                      <a:endParaRPr lang="en-US"/>
+                    </a:p>
+                  </a:txBody>
+                  <a:tcPr/>
+                </a:tc>
+                <a:tc>
+                  <a:txBody>
+                    <a:bodyPr/>
+                    <a:lstStyle/>
+                    <a:p>
+                      <a:endParaRPr lang="en-US"/>
+                    </a:p>
+                  </a:txBody>
+                  <a:tcPr/>
+                </a:tc>
+                <a:tc>
+                  <a:txBody>
+                    <a:bodyPr/>
+                    <a:lstStyle/>
+                    <a:p>
+                      <a:endParaRPr lang="en-US"/>
+                    </a:p>
+                  </a:txBody>
+                  <a:tcPr/>
+                </a:tc>
+                <a:tc>
+                  <a:txBody>
+                    <a:bodyPr/>
+                    <a:lstStyle/>
+                    <a:p>
+                      <a:endParaRPr lang="en-US"/>
+                    </a:p>
+                  </a:txBody>
+                  <a:tcPr/>
+                </a:tc>
+                <a:tc>
+                  <a:txBody>
+                    <a:bodyPr/>
+                    <a:lstStyle/>
+                    <a:p>
+                      <a:endParaRPr lang="en-US"/>
+                    </a:p>
+                  </a:txBody>
+                  <a:tcPr/>
+                </a:tc>
+                <a:tc>
+                  <a:txBody>
+                    <a:bodyPr/>
+                    <a:lstStyle/>
+                    <a:p>
+                      <a:endParaRPr lang="en-US"/>
+                    </a:p>
+                  </a:txBody>
+                  <a:tcPr/>
+                </a:tc>
+                <a:tc>
+                  <a:txBody>
+                    <a:bodyPr/>
+                    <a:lstStyle/>
+                    <a:p>
+                      <a:endParaRPr lang="en-US"/>
+                    </a:p>
+                  </a:txBody>
+                  <a:tcPr/>
+                </a:tc>
+                <a:tc>
+                  <a:txBody>
+                    <a:bodyPr/>
+                    <a:lstStyle/>
+                    <a:p>
+                      <a:endParaRPr lang="en-US"/>
+                    </a:p>
+                  </a:txBody>
+                  <a:tcPr/>
+                </a:tc>
+                <a:tc>
+                  <a:txBody>
+                    <a:bodyPr/>
+                    <a:lstStyle/>
+                    <a:p>
+                      <a:endParaRPr lang="en-US"/>
+                    </a:p>
+                  </a:txBody>
+                  <a:tcPr/>
+                </a:tc>
+                <a:tc>
+                  <a:txBody>
+                    <a:bodyPr/>
+                    <a:lstStyle/>
+                    <a:p>
+                      <a:endParaRPr lang="en-US"/>
+                    </a:p>
+                  </a:txBody>
+                  <a:tcPr/>
+                </a:tc>
+                <a:extLst>
+                  <a:ext uri="{0D108BD9-81ED-4DB2-BD59-A6C34878D82A}">
+                    <a16:rowId xmlns:a16="http://schemas.microsoft.com/office/drawing/2014/main" val="1855750628"/>
+                  </a:ext>
+                </a:extLst>
+              </a:tr>
+              <a:tr h="370840">
+                <a:tc>
+                  <a:txBody>
+                    <a:bodyPr/>
+                    <a:lstStyle/>
+                    <a:p>
+                      <a:endParaRPr lang="en-US"/>
+                    </a:p>
+                  </a:txBody>
+                  <a:tcPr/>
+                </a:tc>
+                <a:tc>
+                  <a:txBody>
+                    <a:bodyPr/>
+                    <a:lstStyle/>
+                    <a:p>
+                      <a:endParaRPr lang="en-US"/>
+                    </a:p>
+                  </a:txBody>
+                  <a:tcPr/>
+                </a:tc>
+                <a:tc>
+                  <a:txBody>
+                    <a:bodyPr/>
+                    <a:lstStyle/>
+                    <a:p>
+                      <a:endParaRPr lang="en-US"/>
+                    </a:p>
+                  </a:txBody>
+                  <a:tcPr/>
+                </a:tc>
+                <a:tc>
+                  <a:txBody>
+                    <a:bodyPr/>
+                    <a:lstStyle/>
+                    <a:p>
+                      <a:endParaRPr lang="en-US"/>
+                    </a:p>
+                  </a:txBody>
+                  <a:tcPr/>
+                </a:tc>
+                <a:tc>
+                  <a:txBody>
+                    <a:bodyPr/>
+                    <a:lstStyle/>
+                    <a:p>
+                      <a:endParaRPr lang="en-US"/>
+                    </a:p>
+                  </a:txBody>
+                  <a:tcPr/>
+                </a:tc>
+                <a:tc>
+                  <a:txBody>
+                    <a:bodyPr/>
+                    <a:lstStyle/>
+                    <a:p>
+                      <a:endParaRPr lang="en-US"/>
+                    </a:p>
+                  </a:txBody>
+                  <a:tcPr/>
+                </a:tc>
+                <a:tc>
+                  <a:txBody>
+                    <a:bodyPr/>
+                    <a:lstStyle/>
+                    <a:p>
+                      <a:endParaRPr lang="en-US"/>
+                    </a:p>
+                  </a:txBody>
+                  <a:tcPr/>
+                </a:tc>
+                <a:tc>
+                  <a:txBody>
+                    <a:bodyPr/>
+                    <a:lstStyle/>
+                    <a:p>
+                      <a:endParaRPr lang="en-US"/>
+                    </a:p>
+                  </a:txBody>
+                  <a:tcPr/>
+                </a:tc>
+                <a:tc>
+                  <a:txBody>
+                    <a:bodyPr/>
+                    <a:lstStyle/>
+                    <a:p>
+                      <a:endParaRPr lang="en-US"/>
+                    </a:p>
+                  </a:txBody>
+                  <a:tcPr/>
+                </a:tc>
+                <a:tc>
+                  <a:txBody>
+                    <a:bodyPr/>
+                    <a:lstStyle/>
+                    <a:p>
+                      <a:endParaRPr lang="en-US" dirty="0"/>
+                    </a:p>
+                  </a:txBody>
+                  <a:tcPr/>
+                </a:tc>
+                <a:extLst>
+                  <a:ext uri="{0D108BD9-81ED-4DB2-BD59-A6C34878D82A}">
+                    <a16:rowId xmlns:a16="http://schemas.microsoft.com/office/drawing/2014/main" val="3671892793"/>
+                  </a:ext>
+                </a:extLst>
+              </a:tr>
+            </a:tbl>
+          </a:graphicData>
+        </a:graphic>
+      </p:graphicFrame>
+      <p:sp>
+        <p:nvSpPr>
+          <p:cNvPr id="6" name="Oval 5">
+            <a:extLst>
+              <a:ext uri="{FF2B5EF4-FFF2-40B4-BE49-F238E27FC236}">
+                <a16:creationId xmlns:a16="http://schemas.microsoft.com/office/drawing/2014/main" id="{347A41D7-C30C-42B7-B921-656BC0D96149}"/>
+              </a:ext>
+            </a:extLst>
+          </p:cNvPr>
+          <p:cNvSpPr/>
+          <p:nvPr/>
+        </p:nvSpPr>
+        <p:spPr>
+          <a:xfrm>
+            <a:off x="2190924" y="2541167"/>
+            <a:ext cx="1919682" cy="1775666"/>
+          </a:xfrm>
+          <a:prstGeom prst="ellipse">
+            <a:avLst/>
+          </a:prstGeom>
+          <a:noFill/>
+          <a:ln w="57150"/>
+        </p:spPr>
+        <p:style>
+          <a:lnRef idx="2">
+            <a:schemeClr val="accent1">
+              <a:shade val="50000"/>
+            </a:schemeClr>
+          </a:lnRef>
+          <a:fillRef idx="1">
+            <a:schemeClr val="accent1"/>
+          </a:fillRef>
+          <a:effectRef idx="0">
+            <a:schemeClr val="accent1"/>
+          </a:effectRef>
+          <a:fontRef idx="minor">
+            <a:schemeClr val="lt1"/>
+          </a:fontRef>
+        </p:style>
+        <p:txBody>
+          <a:bodyPr rtlCol="0" anchor="ctr"/>
+          <a:lstStyle/>
+          <a:p>
+            <a:pPr algn="ctr"/>
+            <a:endParaRPr lang="en-US"/>
+          </a:p>
+        </p:txBody>
+      </p:sp>
+      <p:sp>
+        <p:nvSpPr>
+          <p:cNvPr id="30" name="TextBox 29">
+            <a:extLst>
+              <a:ext uri="{FF2B5EF4-FFF2-40B4-BE49-F238E27FC236}">
+                <a16:creationId xmlns:a16="http://schemas.microsoft.com/office/drawing/2014/main" id="{2E63B4B1-22F4-43FC-B039-BD7D49F76C1E}"/>
+              </a:ext>
+            </a:extLst>
+          </p:cNvPr>
+          <p:cNvSpPr txBox="1"/>
+          <p:nvPr/>
+        </p:nvSpPr>
+        <p:spPr>
+          <a:xfrm>
+            <a:off x="6096000" y="2541167"/>
+            <a:ext cx="3391949" cy="1477328"/>
+          </a:xfrm>
+          <a:prstGeom prst="rect">
+            <a:avLst/>
+          </a:prstGeom>
+          <a:noFill/>
+        </p:spPr>
+        <p:txBody>
+          <a:bodyPr wrap="square" rtlCol="0">
+            <a:spAutoFit/>
+          </a:bodyPr>
+          <a:lstStyle/>
+          <a:p>
+            <a:r>
+              <a:rPr lang="en-US" dirty="0"/>
+              <a:t>Same pictures </a:t>
+            </a:r>
+          </a:p>
+          <a:p>
+            <a:r>
+              <a:rPr lang="en-US" dirty="0"/>
+              <a:t>On the same NN</a:t>
+            </a:r>
+          </a:p>
+          <a:p>
+            <a:endParaRPr lang="en-US" dirty="0"/>
+          </a:p>
+          <a:p>
+            <a:r>
+              <a:rPr lang="en-US" dirty="0"/>
+              <a:t>Different result </a:t>
+            </a:r>
+          </a:p>
+          <a:p>
+            <a:r>
+              <a:rPr lang="en-US" dirty="0"/>
+              <a:t>WHY ????</a:t>
+            </a:r>
+          </a:p>
+        </p:txBody>
+      </p:sp>
+    </p:spTree>
+    <p:extLst>
+      <p:ext uri="{BB962C8B-B14F-4D97-AF65-F5344CB8AC3E}">
+        <p14:creationId xmlns:p14="http://schemas.microsoft.com/office/powerpoint/2010/main" val="1533307607"/>
+      </p:ext>
+    </p:extLst>
+  </p:cSld>
+  <p:clrMapOvr>
+    <a:masterClrMapping/>
+  </p:clrMapOvr>
+</p:sld>
+</file>
+
+<file path=ppt/slides/slide25.xml><?xml version="1.0" encoding="utf-8"?>
+<p:sld xmlns:a="http://schemas.openxmlformats.org/drawingml/2006/main" xmlns:r="http://schemas.openxmlformats.org/officeDocument/2006/relationships" xmlns:p="http://schemas.openxmlformats.org/presentationml/2006/main">
+  <p:cSld>
+    <p:spTree>
+      <p:nvGrpSpPr>
+        <p:cNvPr id="1" name=""/>
+        <p:cNvGrpSpPr/>
+        <p:nvPr/>
+      </p:nvGrpSpPr>
+      <p:grpSpPr>
+        <a:xfrm>
+          <a:off x="0" y="0"/>
+          <a:ext cx="0" cy="0"/>
+          <a:chOff x="0" y="0"/>
+          <a:chExt cx="0" cy="0"/>
+        </a:xfrm>
+      </p:grpSpPr>
+      <p:sp>
+        <p:nvSpPr>
+          <p:cNvPr id="2" name="Title 1">
+            <a:extLst>
+              <a:ext uri="{FF2B5EF4-FFF2-40B4-BE49-F238E27FC236}">
+                <a16:creationId xmlns:a16="http://schemas.microsoft.com/office/drawing/2014/main" id="{71BB269C-C7EB-4544-8E47-15282AD8ADD1}"/>
+              </a:ext>
+            </a:extLst>
+          </p:cNvPr>
+          <p:cNvSpPr>
+            <a:spLocks noGrp="1"/>
+          </p:cNvSpPr>
+          <p:nvPr>
+            <p:ph type="title"/>
+          </p:nvPr>
+        </p:nvSpPr>
+        <p:spPr/>
+        <p:txBody>
+          <a:bodyPr/>
+          <a:lstStyle/>
+          <a:p>
+            <a:r>
+              <a:rPr lang="en-US" dirty="0"/>
+              <a:t>Difference in images</a:t>
+            </a:r>
+          </a:p>
+        </p:txBody>
+      </p:sp>
+      <p:pic>
+        <p:nvPicPr>
+          <p:cNvPr id="5" name="Content Placeholder 4" descr="A picture containing clock&#10;&#10;Description automatically generated">
+            <a:extLst>
+              <a:ext uri="{FF2B5EF4-FFF2-40B4-BE49-F238E27FC236}">
+                <a16:creationId xmlns:a16="http://schemas.microsoft.com/office/drawing/2014/main" id="{91225E17-E75F-4385-9A1D-576093D5B5D7}"/>
+              </a:ext>
+            </a:extLst>
+          </p:cNvPr>
+          <p:cNvPicPr>
+            <a:picLocks noGrp="1" noChangeAspect="1"/>
+          </p:cNvPicPr>
+          <p:nvPr>
+            <p:ph idx="1"/>
+          </p:nvPr>
+        </p:nvPicPr>
+        <p:blipFill>
+          <a:blip r:embed="rId2"/>
+          <a:stretch>
+            <a:fillRect/>
+          </a:stretch>
+        </p:blipFill>
+        <p:spPr>
+          <a:xfrm>
+            <a:off x="1174458" y="1900273"/>
+            <a:ext cx="4479721" cy="4479721"/>
+          </a:xfrm>
+        </p:spPr>
+      </p:pic>
+    </p:spTree>
+    <p:extLst>
+      <p:ext uri="{BB962C8B-B14F-4D97-AF65-F5344CB8AC3E}">
+        <p14:creationId xmlns:p14="http://schemas.microsoft.com/office/powerpoint/2010/main" val="3071523062"/>
       </p:ext>
     </p:extLst>
   </p:cSld>
@@ -10297,15 +11787,6 @@
 </file>
 
 <file path=customXml/item1.xml><?xml version="1.0" encoding="utf-8"?>
-<?mso-contentType ?>
-<FormTemplates xmlns="http://schemas.microsoft.com/sharepoint/v3/contenttype/forms">
-  <Display>DocumentLibraryForm</Display>
-  <Edit>DocumentLibraryForm</Edit>
-  <New>DocumentLibraryForm</New>
-</FormTemplates>
-</file>
-
-<file path=customXml/item2.xml><?xml version="1.0" encoding="utf-8"?>
 <ct:contentTypeSchema xmlns:ct="http://schemas.microsoft.com/office/2006/metadata/contentType" xmlns:ma="http://schemas.microsoft.com/office/2006/metadata/properties/metaAttributes" ct:_="" ma:_="" ma:contentTypeName="Document" ma:contentTypeID="0x01010079F111ED35F8CC479449609E8A0923A6" ma:contentTypeVersion="12" ma:contentTypeDescription="Create a new document." ma:contentTypeScope="" ma:versionID="a410dd7f93c95333ffa1b60ed6adedd1">
   <xsd:schema xmlns:xsd="http://www.w3.org/2001/XMLSchema" xmlns:xs="http://www.w3.org/2001/XMLSchema" xmlns:p="http://schemas.microsoft.com/office/2006/metadata/properties" xmlns:ns2="71af3243-3dd4-4a8d-8c0d-dd76da1f02a5" xmlns:ns3="16c05727-aa75-4e4a-9b5f-8a80a1165891" targetNamespace="http://schemas.microsoft.com/office/2006/metadata/properties" ma:root="true" ma:fieldsID="a936d9baba76aa3866493feff160faab" ns2:_="" ns3:_="">
     <xsd:import namespace="71af3243-3dd4-4a8d-8c0d-dd76da1f02a5"/>
@@ -10526,6 +12007,15 @@
 </ct:contentTypeSchema>
 </file>
 
+<file path=customXml/item2.xml><?xml version="1.0" encoding="utf-8"?>
+<?mso-contentType ?>
+<FormTemplates xmlns="http://schemas.microsoft.com/sharepoint/v3/contenttype/forms">
+  <Display>DocumentLibraryForm</Display>
+  <Edit>DocumentLibraryForm</Edit>
+  <New>DocumentLibraryForm</New>
+</FormTemplates>
+</file>
+
 <file path=customXml/item3.xml><?xml version="1.0" encoding="utf-8"?>
 <p:properties xmlns:p="http://schemas.microsoft.com/office/2006/metadata/properties" xmlns:xsi="http://www.w3.org/2001/XMLSchema-instance" xmlns:pc="http://schemas.microsoft.com/office/infopath/2007/PartnerControls">
   <documentManagement>
@@ -10536,14 +12026,6 @@
 </file>
 
 <file path=customXml/itemProps1.xml><?xml version="1.0" encoding="utf-8"?>
-<ds:datastoreItem xmlns:ds="http://schemas.openxmlformats.org/officeDocument/2006/customXml" ds:itemID="{CDB58277-F8DF-46FF-84EC-EF41B835E69F}">
-  <ds:schemaRefs>
-    <ds:schemaRef ds:uri="http://schemas.microsoft.com/sharepoint/v3/contenttype/forms"/>
-  </ds:schemaRefs>
-</ds:datastoreItem>
-</file>
-
-<file path=customXml/itemProps2.xml><?xml version="1.0" encoding="utf-8"?>
 <ds:datastoreItem xmlns:ds="http://schemas.openxmlformats.org/officeDocument/2006/customXml" ds:itemID="{2D276E62-80A3-44DD-9BCC-97ED2B99B57F}">
   <ds:schemaRefs>
     <ds:schemaRef ds:uri="http://schemas.microsoft.com/office/2006/metadata/contentType"/>
@@ -10562,6 +12044,14 @@
 </ds:datastoreItem>
 </file>
 
+<file path=customXml/itemProps2.xml><?xml version="1.0" encoding="utf-8"?>
+<ds:datastoreItem xmlns:ds="http://schemas.openxmlformats.org/officeDocument/2006/customXml" ds:itemID="{CDB58277-F8DF-46FF-84EC-EF41B835E69F}">
+  <ds:schemaRefs>
+    <ds:schemaRef ds:uri="http://schemas.microsoft.com/sharepoint/v3/contenttype/forms"/>
+  </ds:schemaRefs>
+</ds:datastoreItem>
+</file>
+
 <file path=customXml/itemProps3.xml><?xml version="1.0" encoding="utf-8"?>
 <ds:datastoreItem xmlns:ds="http://schemas.openxmlformats.org/officeDocument/2006/customXml" ds:itemID="{137651BA-F45C-4845-9AB3-E0A65B39F5E1}">
   <ds:schemaRefs>
